--- a/material/aulas/11-branch-and-bound/slides.pptx
+++ b/material/aulas/11-branch-and-bound/slides.pptx
@@ -276,651 +276,6 @@
 <file path=ppt/changesInfos/changesInfo1.xml><?xml version="1.0" encoding="utf-8"?>
 <pc:chgInfo xmlns:a="http://schemas.openxmlformats.org/drawingml/2006/main" xmlns:r="http://schemas.openxmlformats.org/officeDocument/2006/relationships" xmlns:ac="http://schemas.microsoft.com/office/drawing/2013/main/command" xmlns:pc="http://schemas.microsoft.com/office/powerpoint/2013/main/command">
   <pc:docChgLst>
-    <pc:chgData name="Luciano Pereira Soares" userId="16c53e34-c952-423e-8700-c0525d23304f" providerId="ADAL" clId="{AEA032F2-1115-D14D-BBD7-8D36EDD06ADB}"/>
-    <pc:docChg chg="delSld modSection">
-      <pc:chgData name="Luciano Pereira Soares" userId="16c53e34-c952-423e-8700-c0525d23304f" providerId="ADAL" clId="{AEA032F2-1115-D14D-BBD7-8D36EDD06ADB}" dt="2022-09-05T21:08:50.428" v="1" actId="2696"/>
-      <pc:docMkLst>
-        <pc:docMk/>
-      </pc:docMkLst>
-      <pc:sldChg chg="del">
-        <pc:chgData name="Luciano Pereira Soares" userId="16c53e34-c952-423e-8700-c0525d23304f" providerId="ADAL" clId="{AEA032F2-1115-D14D-BBD7-8D36EDD06ADB}" dt="2022-09-05T21:07:43.372" v="0" actId="2696"/>
-        <pc:sldMkLst>
-          <pc:docMk/>
-          <pc:sldMk cId="1903815671" sldId="383"/>
-        </pc:sldMkLst>
-      </pc:sldChg>
-      <pc:sldChg chg="del">
-        <pc:chgData name="Luciano Pereira Soares" userId="16c53e34-c952-423e-8700-c0525d23304f" providerId="ADAL" clId="{AEA032F2-1115-D14D-BBD7-8D36EDD06ADB}" dt="2022-09-05T21:07:43.372" v="0" actId="2696"/>
-        <pc:sldMkLst>
-          <pc:docMk/>
-          <pc:sldMk cId="1892385204" sldId="384"/>
-        </pc:sldMkLst>
-      </pc:sldChg>
-      <pc:sldChg chg="del">
-        <pc:chgData name="Luciano Pereira Soares" userId="16c53e34-c952-423e-8700-c0525d23304f" providerId="ADAL" clId="{AEA032F2-1115-D14D-BBD7-8D36EDD06ADB}" dt="2022-09-05T21:07:43.372" v="0" actId="2696"/>
-        <pc:sldMkLst>
-          <pc:docMk/>
-          <pc:sldMk cId="221372873" sldId="385"/>
-        </pc:sldMkLst>
-      </pc:sldChg>
-      <pc:sldChg chg="del">
-        <pc:chgData name="Luciano Pereira Soares" userId="16c53e34-c952-423e-8700-c0525d23304f" providerId="ADAL" clId="{AEA032F2-1115-D14D-BBD7-8D36EDD06ADB}" dt="2022-09-05T21:07:43.372" v="0" actId="2696"/>
-        <pc:sldMkLst>
-          <pc:docMk/>
-          <pc:sldMk cId="1143466467" sldId="386"/>
-        </pc:sldMkLst>
-      </pc:sldChg>
-      <pc:sldChg chg="del">
-        <pc:chgData name="Luciano Pereira Soares" userId="16c53e34-c952-423e-8700-c0525d23304f" providerId="ADAL" clId="{AEA032F2-1115-D14D-BBD7-8D36EDD06ADB}" dt="2022-09-05T21:07:43.372" v="0" actId="2696"/>
-        <pc:sldMkLst>
-          <pc:docMk/>
-          <pc:sldMk cId="4024106893" sldId="387"/>
-        </pc:sldMkLst>
-      </pc:sldChg>
-      <pc:sldChg chg="del">
-        <pc:chgData name="Luciano Pereira Soares" userId="16c53e34-c952-423e-8700-c0525d23304f" providerId="ADAL" clId="{AEA032F2-1115-D14D-BBD7-8D36EDD06ADB}" dt="2022-09-05T21:07:43.372" v="0" actId="2696"/>
-        <pc:sldMkLst>
-          <pc:docMk/>
-          <pc:sldMk cId="1220360521" sldId="388"/>
-        </pc:sldMkLst>
-      </pc:sldChg>
-      <pc:sldChg chg="del">
-        <pc:chgData name="Luciano Pereira Soares" userId="16c53e34-c952-423e-8700-c0525d23304f" providerId="ADAL" clId="{AEA032F2-1115-D14D-BBD7-8D36EDD06ADB}" dt="2022-09-05T21:07:43.372" v="0" actId="2696"/>
-        <pc:sldMkLst>
-          <pc:docMk/>
-          <pc:sldMk cId="2686473803" sldId="389"/>
-        </pc:sldMkLst>
-      </pc:sldChg>
-      <pc:sldChg chg="del">
-        <pc:chgData name="Luciano Pereira Soares" userId="16c53e34-c952-423e-8700-c0525d23304f" providerId="ADAL" clId="{AEA032F2-1115-D14D-BBD7-8D36EDD06ADB}" dt="2022-09-05T21:07:43.372" v="0" actId="2696"/>
-        <pc:sldMkLst>
-          <pc:docMk/>
-          <pc:sldMk cId="2913216769" sldId="390"/>
-        </pc:sldMkLst>
-      </pc:sldChg>
-      <pc:sldChg chg="del">
-        <pc:chgData name="Luciano Pereira Soares" userId="16c53e34-c952-423e-8700-c0525d23304f" providerId="ADAL" clId="{AEA032F2-1115-D14D-BBD7-8D36EDD06ADB}" dt="2022-09-05T21:07:43.372" v="0" actId="2696"/>
-        <pc:sldMkLst>
-          <pc:docMk/>
-          <pc:sldMk cId="2051334807" sldId="391"/>
-        </pc:sldMkLst>
-      </pc:sldChg>
-      <pc:sldChg chg="del">
-        <pc:chgData name="Luciano Pereira Soares" userId="16c53e34-c952-423e-8700-c0525d23304f" providerId="ADAL" clId="{AEA032F2-1115-D14D-BBD7-8D36EDD06ADB}" dt="2022-09-05T21:07:43.372" v="0" actId="2696"/>
-        <pc:sldMkLst>
-          <pc:docMk/>
-          <pc:sldMk cId="1135835063" sldId="392"/>
-        </pc:sldMkLst>
-      </pc:sldChg>
-      <pc:sldChg chg="del">
-        <pc:chgData name="Luciano Pereira Soares" userId="16c53e34-c952-423e-8700-c0525d23304f" providerId="ADAL" clId="{AEA032F2-1115-D14D-BBD7-8D36EDD06ADB}" dt="2022-09-05T21:07:43.372" v="0" actId="2696"/>
-        <pc:sldMkLst>
-          <pc:docMk/>
-          <pc:sldMk cId="467721067" sldId="393"/>
-        </pc:sldMkLst>
-      </pc:sldChg>
-      <pc:sldChg chg="del">
-        <pc:chgData name="Luciano Pereira Soares" userId="16c53e34-c952-423e-8700-c0525d23304f" providerId="ADAL" clId="{AEA032F2-1115-D14D-BBD7-8D36EDD06ADB}" dt="2022-09-05T21:07:43.372" v="0" actId="2696"/>
-        <pc:sldMkLst>
-          <pc:docMk/>
-          <pc:sldMk cId="569669401" sldId="395"/>
-        </pc:sldMkLst>
-      </pc:sldChg>
-      <pc:sldChg chg="del">
-        <pc:chgData name="Luciano Pereira Soares" userId="16c53e34-c952-423e-8700-c0525d23304f" providerId="ADAL" clId="{AEA032F2-1115-D14D-BBD7-8D36EDD06ADB}" dt="2022-09-05T21:07:43.372" v="0" actId="2696"/>
-        <pc:sldMkLst>
-          <pc:docMk/>
-          <pc:sldMk cId="781476822" sldId="396"/>
-        </pc:sldMkLst>
-      </pc:sldChg>
-      <pc:sldChg chg="del">
-        <pc:chgData name="Luciano Pereira Soares" userId="16c53e34-c952-423e-8700-c0525d23304f" providerId="ADAL" clId="{AEA032F2-1115-D14D-BBD7-8D36EDD06ADB}" dt="2022-09-05T21:07:43.372" v="0" actId="2696"/>
-        <pc:sldMkLst>
-          <pc:docMk/>
-          <pc:sldMk cId="654933653" sldId="397"/>
-        </pc:sldMkLst>
-      </pc:sldChg>
-      <pc:sldChg chg="del">
-        <pc:chgData name="Luciano Pereira Soares" userId="16c53e34-c952-423e-8700-c0525d23304f" providerId="ADAL" clId="{AEA032F2-1115-D14D-BBD7-8D36EDD06ADB}" dt="2022-09-05T21:07:43.372" v="0" actId="2696"/>
-        <pc:sldMkLst>
-          <pc:docMk/>
-          <pc:sldMk cId="4028718503" sldId="398"/>
-        </pc:sldMkLst>
-      </pc:sldChg>
-      <pc:sldChg chg="del">
-        <pc:chgData name="Luciano Pereira Soares" userId="16c53e34-c952-423e-8700-c0525d23304f" providerId="ADAL" clId="{AEA032F2-1115-D14D-BBD7-8D36EDD06ADB}" dt="2022-09-05T21:07:43.372" v="0" actId="2696"/>
-        <pc:sldMkLst>
-          <pc:docMk/>
-          <pc:sldMk cId="2446880757" sldId="399"/>
-        </pc:sldMkLst>
-      </pc:sldChg>
-      <pc:sldChg chg="del">
-        <pc:chgData name="Luciano Pereira Soares" userId="16c53e34-c952-423e-8700-c0525d23304f" providerId="ADAL" clId="{AEA032F2-1115-D14D-BBD7-8D36EDD06ADB}" dt="2022-09-05T21:07:43.372" v="0" actId="2696"/>
-        <pc:sldMkLst>
-          <pc:docMk/>
-          <pc:sldMk cId="3756672616" sldId="400"/>
-        </pc:sldMkLst>
-      </pc:sldChg>
-      <pc:sldChg chg="del">
-        <pc:chgData name="Luciano Pereira Soares" userId="16c53e34-c952-423e-8700-c0525d23304f" providerId="ADAL" clId="{AEA032F2-1115-D14D-BBD7-8D36EDD06ADB}" dt="2022-09-05T21:07:43.372" v="0" actId="2696"/>
-        <pc:sldMkLst>
-          <pc:docMk/>
-          <pc:sldMk cId="397662049" sldId="401"/>
-        </pc:sldMkLst>
-      </pc:sldChg>
-      <pc:sldChg chg="del">
-        <pc:chgData name="Luciano Pereira Soares" userId="16c53e34-c952-423e-8700-c0525d23304f" providerId="ADAL" clId="{AEA032F2-1115-D14D-BBD7-8D36EDD06ADB}" dt="2022-09-05T21:07:43.372" v="0" actId="2696"/>
-        <pc:sldMkLst>
-          <pc:docMk/>
-          <pc:sldMk cId="870084269" sldId="402"/>
-        </pc:sldMkLst>
-      </pc:sldChg>
-      <pc:sldChg chg="del">
-        <pc:chgData name="Luciano Pereira Soares" userId="16c53e34-c952-423e-8700-c0525d23304f" providerId="ADAL" clId="{AEA032F2-1115-D14D-BBD7-8D36EDD06ADB}" dt="2022-09-05T21:07:43.372" v="0" actId="2696"/>
-        <pc:sldMkLst>
-          <pc:docMk/>
-          <pc:sldMk cId="3106495958" sldId="403"/>
-        </pc:sldMkLst>
-      </pc:sldChg>
-      <pc:sldChg chg="del">
-        <pc:chgData name="Luciano Pereira Soares" userId="16c53e34-c952-423e-8700-c0525d23304f" providerId="ADAL" clId="{AEA032F2-1115-D14D-BBD7-8D36EDD06ADB}" dt="2022-09-05T21:07:43.372" v="0" actId="2696"/>
-        <pc:sldMkLst>
-          <pc:docMk/>
-          <pc:sldMk cId="2230256581" sldId="404"/>
-        </pc:sldMkLst>
-      </pc:sldChg>
-      <pc:sldChg chg="del">
-        <pc:chgData name="Luciano Pereira Soares" userId="16c53e34-c952-423e-8700-c0525d23304f" providerId="ADAL" clId="{AEA032F2-1115-D14D-BBD7-8D36EDD06ADB}" dt="2022-09-05T21:07:43.372" v="0" actId="2696"/>
-        <pc:sldMkLst>
-          <pc:docMk/>
-          <pc:sldMk cId="859571029" sldId="405"/>
-        </pc:sldMkLst>
-      </pc:sldChg>
-      <pc:sldChg chg="del">
-        <pc:chgData name="Luciano Pereira Soares" userId="16c53e34-c952-423e-8700-c0525d23304f" providerId="ADAL" clId="{AEA032F2-1115-D14D-BBD7-8D36EDD06ADB}" dt="2022-09-05T21:07:43.372" v="0" actId="2696"/>
-        <pc:sldMkLst>
-          <pc:docMk/>
-          <pc:sldMk cId="2186636348" sldId="406"/>
-        </pc:sldMkLst>
-      </pc:sldChg>
-      <pc:sldChg chg="del">
-        <pc:chgData name="Luciano Pereira Soares" userId="16c53e34-c952-423e-8700-c0525d23304f" providerId="ADAL" clId="{AEA032F2-1115-D14D-BBD7-8D36EDD06ADB}" dt="2022-09-05T21:07:43.372" v="0" actId="2696"/>
-        <pc:sldMkLst>
-          <pc:docMk/>
-          <pc:sldMk cId="3627956553" sldId="407"/>
-        </pc:sldMkLst>
-      </pc:sldChg>
-      <pc:sldChg chg="del">
-        <pc:chgData name="Luciano Pereira Soares" userId="16c53e34-c952-423e-8700-c0525d23304f" providerId="ADAL" clId="{AEA032F2-1115-D14D-BBD7-8D36EDD06ADB}" dt="2022-09-05T21:07:43.372" v="0" actId="2696"/>
-        <pc:sldMkLst>
-          <pc:docMk/>
-          <pc:sldMk cId="3378276685" sldId="408"/>
-        </pc:sldMkLst>
-      </pc:sldChg>
-      <pc:sldChg chg="del">
-        <pc:chgData name="Luciano Pereira Soares" userId="16c53e34-c952-423e-8700-c0525d23304f" providerId="ADAL" clId="{AEA032F2-1115-D14D-BBD7-8D36EDD06ADB}" dt="2022-09-05T21:07:43.372" v="0" actId="2696"/>
-        <pc:sldMkLst>
-          <pc:docMk/>
-          <pc:sldMk cId="3783935605" sldId="409"/>
-        </pc:sldMkLst>
-      </pc:sldChg>
-      <pc:sldChg chg="del">
-        <pc:chgData name="Luciano Pereira Soares" userId="16c53e34-c952-423e-8700-c0525d23304f" providerId="ADAL" clId="{AEA032F2-1115-D14D-BBD7-8D36EDD06ADB}" dt="2022-09-05T21:07:43.372" v="0" actId="2696"/>
-        <pc:sldMkLst>
-          <pc:docMk/>
-          <pc:sldMk cId="845036898" sldId="410"/>
-        </pc:sldMkLst>
-      </pc:sldChg>
-      <pc:sldChg chg="del">
-        <pc:chgData name="Luciano Pereira Soares" userId="16c53e34-c952-423e-8700-c0525d23304f" providerId="ADAL" clId="{AEA032F2-1115-D14D-BBD7-8D36EDD06ADB}" dt="2022-09-05T21:07:43.372" v="0" actId="2696"/>
-        <pc:sldMkLst>
-          <pc:docMk/>
-          <pc:sldMk cId="4259734626" sldId="411"/>
-        </pc:sldMkLst>
-      </pc:sldChg>
-      <pc:sldChg chg="del">
-        <pc:chgData name="Luciano Pereira Soares" userId="16c53e34-c952-423e-8700-c0525d23304f" providerId="ADAL" clId="{AEA032F2-1115-D14D-BBD7-8D36EDD06ADB}" dt="2022-09-05T21:07:43.372" v="0" actId="2696"/>
-        <pc:sldMkLst>
-          <pc:docMk/>
-          <pc:sldMk cId="374341077" sldId="412"/>
-        </pc:sldMkLst>
-      </pc:sldChg>
-      <pc:sldChg chg="del">
-        <pc:chgData name="Luciano Pereira Soares" userId="16c53e34-c952-423e-8700-c0525d23304f" providerId="ADAL" clId="{AEA032F2-1115-D14D-BBD7-8D36EDD06ADB}" dt="2022-09-05T21:07:43.372" v="0" actId="2696"/>
-        <pc:sldMkLst>
-          <pc:docMk/>
-          <pc:sldMk cId="2799334177" sldId="413"/>
-        </pc:sldMkLst>
-      </pc:sldChg>
-      <pc:sldChg chg="del">
-        <pc:chgData name="Luciano Pereira Soares" userId="16c53e34-c952-423e-8700-c0525d23304f" providerId="ADAL" clId="{AEA032F2-1115-D14D-BBD7-8D36EDD06ADB}" dt="2022-09-05T21:07:43.372" v="0" actId="2696"/>
-        <pc:sldMkLst>
-          <pc:docMk/>
-          <pc:sldMk cId="3130062975" sldId="414"/>
-        </pc:sldMkLst>
-      </pc:sldChg>
-      <pc:sldChg chg="del">
-        <pc:chgData name="Luciano Pereira Soares" userId="16c53e34-c952-423e-8700-c0525d23304f" providerId="ADAL" clId="{AEA032F2-1115-D14D-BBD7-8D36EDD06ADB}" dt="2022-09-05T21:08:50.428" v="1" actId="2696"/>
-        <pc:sldMkLst>
-          <pc:docMk/>
-          <pc:sldMk cId="1794421638" sldId="415"/>
-        </pc:sldMkLst>
-      </pc:sldChg>
-      <pc:sldChg chg="del">
-        <pc:chgData name="Luciano Pereira Soares" userId="16c53e34-c952-423e-8700-c0525d23304f" providerId="ADAL" clId="{AEA032F2-1115-D14D-BBD7-8D36EDD06ADB}" dt="2022-09-05T21:07:43.372" v="0" actId="2696"/>
-        <pc:sldMkLst>
-          <pc:docMk/>
-          <pc:sldMk cId="1738278355" sldId="416"/>
-        </pc:sldMkLst>
-      </pc:sldChg>
-      <pc:sldChg chg="del">
-        <pc:chgData name="Luciano Pereira Soares" userId="16c53e34-c952-423e-8700-c0525d23304f" providerId="ADAL" clId="{AEA032F2-1115-D14D-BBD7-8D36EDD06ADB}" dt="2022-09-05T21:08:50.428" v="1" actId="2696"/>
-        <pc:sldMkLst>
-          <pc:docMk/>
-          <pc:sldMk cId="1655007093" sldId="417"/>
-        </pc:sldMkLst>
-      </pc:sldChg>
-      <pc:sldChg chg="del">
-        <pc:chgData name="Luciano Pereira Soares" userId="16c53e34-c952-423e-8700-c0525d23304f" providerId="ADAL" clId="{AEA032F2-1115-D14D-BBD7-8D36EDD06ADB}" dt="2022-09-05T21:08:50.428" v="1" actId="2696"/>
-        <pc:sldMkLst>
-          <pc:docMk/>
-          <pc:sldMk cId="1707880651" sldId="418"/>
-        </pc:sldMkLst>
-      </pc:sldChg>
-      <pc:sldChg chg="del">
-        <pc:chgData name="Luciano Pereira Soares" userId="16c53e34-c952-423e-8700-c0525d23304f" providerId="ADAL" clId="{AEA032F2-1115-D14D-BBD7-8D36EDD06ADB}" dt="2022-09-05T21:07:43.372" v="0" actId="2696"/>
-        <pc:sldMkLst>
-          <pc:docMk/>
-          <pc:sldMk cId="2183881429" sldId="419"/>
-        </pc:sldMkLst>
-      </pc:sldChg>
-      <pc:sldChg chg="del">
-        <pc:chgData name="Luciano Pereira Soares" userId="16c53e34-c952-423e-8700-c0525d23304f" providerId="ADAL" clId="{AEA032F2-1115-D14D-BBD7-8D36EDD06ADB}" dt="2022-09-05T21:08:50.428" v="1" actId="2696"/>
-        <pc:sldMkLst>
-          <pc:docMk/>
-          <pc:sldMk cId="3693946769" sldId="433"/>
-        </pc:sldMkLst>
-      </pc:sldChg>
-    </pc:docChg>
-  </pc:docChgLst>
-  <pc:docChgLst>
-    <pc:chgData name="Luciano Pereira Soares" userId="16c53e34-c952-423e-8700-c0525d23304f" providerId="ADAL" clId="{23FAB5F9-CE55-7B4E-82BA-8712A3FC70FD}"/>
-    <pc:docChg chg="delSld modSld modSection">
-      <pc:chgData name="Luciano Pereira Soares" userId="16c53e34-c952-423e-8700-c0525d23304f" providerId="ADAL" clId="{23FAB5F9-CE55-7B4E-82BA-8712A3FC70FD}" dt="2022-09-05T21:04:40.495" v="9" actId="20577"/>
-      <pc:docMkLst>
-        <pc:docMk/>
-      </pc:docMkLst>
-      <pc:sldChg chg="del">
-        <pc:chgData name="Luciano Pereira Soares" userId="16c53e34-c952-423e-8700-c0525d23304f" providerId="ADAL" clId="{23FAB5F9-CE55-7B4E-82BA-8712A3FC70FD}" dt="2022-09-05T21:04:00.177" v="0" actId="2696"/>
-        <pc:sldMkLst>
-          <pc:docMk/>
-          <pc:sldMk cId="836569805" sldId="338"/>
-        </pc:sldMkLst>
-      </pc:sldChg>
-      <pc:sldChg chg="del">
-        <pc:chgData name="Luciano Pereira Soares" userId="16c53e34-c952-423e-8700-c0525d23304f" providerId="ADAL" clId="{23FAB5F9-CE55-7B4E-82BA-8712A3FC70FD}" dt="2022-09-05T21:04:00.177" v="0" actId="2696"/>
-        <pc:sldMkLst>
-          <pc:docMk/>
-          <pc:sldMk cId="1175192112" sldId="339"/>
-        </pc:sldMkLst>
-      </pc:sldChg>
-      <pc:sldChg chg="del">
-        <pc:chgData name="Luciano Pereira Soares" userId="16c53e34-c952-423e-8700-c0525d23304f" providerId="ADAL" clId="{23FAB5F9-CE55-7B4E-82BA-8712A3FC70FD}" dt="2022-09-05T21:04:00.177" v="0" actId="2696"/>
-        <pc:sldMkLst>
-          <pc:docMk/>
-          <pc:sldMk cId="2740425970" sldId="340"/>
-        </pc:sldMkLst>
-      </pc:sldChg>
-      <pc:sldChg chg="del">
-        <pc:chgData name="Luciano Pereira Soares" userId="16c53e34-c952-423e-8700-c0525d23304f" providerId="ADAL" clId="{23FAB5F9-CE55-7B4E-82BA-8712A3FC70FD}" dt="2022-09-05T21:04:00.177" v="0" actId="2696"/>
-        <pc:sldMkLst>
-          <pc:docMk/>
-          <pc:sldMk cId="1471685992" sldId="341"/>
-        </pc:sldMkLst>
-      </pc:sldChg>
-      <pc:sldChg chg="del">
-        <pc:chgData name="Luciano Pereira Soares" userId="16c53e34-c952-423e-8700-c0525d23304f" providerId="ADAL" clId="{23FAB5F9-CE55-7B4E-82BA-8712A3FC70FD}" dt="2022-09-05T21:04:00.177" v="0" actId="2696"/>
-        <pc:sldMkLst>
-          <pc:docMk/>
-          <pc:sldMk cId="478202765" sldId="342"/>
-        </pc:sldMkLst>
-      </pc:sldChg>
-      <pc:sldChg chg="del">
-        <pc:chgData name="Luciano Pereira Soares" userId="16c53e34-c952-423e-8700-c0525d23304f" providerId="ADAL" clId="{23FAB5F9-CE55-7B4E-82BA-8712A3FC70FD}" dt="2022-09-05T21:04:00.177" v="0" actId="2696"/>
-        <pc:sldMkLst>
-          <pc:docMk/>
-          <pc:sldMk cId="4179067694" sldId="343"/>
-        </pc:sldMkLst>
-      </pc:sldChg>
-      <pc:sldChg chg="del">
-        <pc:chgData name="Luciano Pereira Soares" userId="16c53e34-c952-423e-8700-c0525d23304f" providerId="ADAL" clId="{23FAB5F9-CE55-7B4E-82BA-8712A3FC70FD}" dt="2022-09-05T21:04:00.177" v="0" actId="2696"/>
-        <pc:sldMkLst>
-          <pc:docMk/>
-          <pc:sldMk cId="501138830" sldId="344"/>
-        </pc:sldMkLst>
-      </pc:sldChg>
-      <pc:sldChg chg="del">
-        <pc:chgData name="Luciano Pereira Soares" userId="16c53e34-c952-423e-8700-c0525d23304f" providerId="ADAL" clId="{23FAB5F9-CE55-7B4E-82BA-8712A3FC70FD}" dt="2022-09-05T21:04:00.177" v="0" actId="2696"/>
-        <pc:sldMkLst>
-          <pc:docMk/>
-          <pc:sldMk cId="528288865" sldId="345"/>
-        </pc:sldMkLst>
-      </pc:sldChg>
-      <pc:sldChg chg="del">
-        <pc:chgData name="Luciano Pereira Soares" userId="16c53e34-c952-423e-8700-c0525d23304f" providerId="ADAL" clId="{23FAB5F9-CE55-7B4E-82BA-8712A3FC70FD}" dt="2022-09-05T21:04:00.177" v="0" actId="2696"/>
-        <pc:sldMkLst>
-          <pc:docMk/>
-          <pc:sldMk cId="1677325553" sldId="346"/>
-        </pc:sldMkLst>
-      </pc:sldChg>
-      <pc:sldChg chg="del">
-        <pc:chgData name="Luciano Pereira Soares" userId="16c53e34-c952-423e-8700-c0525d23304f" providerId="ADAL" clId="{23FAB5F9-CE55-7B4E-82BA-8712A3FC70FD}" dt="2022-09-05T21:04:00.177" v="0" actId="2696"/>
-        <pc:sldMkLst>
-          <pc:docMk/>
-          <pc:sldMk cId="2657953214" sldId="347"/>
-        </pc:sldMkLst>
-      </pc:sldChg>
-      <pc:sldChg chg="del">
-        <pc:chgData name="Luciano Pereira Soares" userId="16c53e34-c952-423e-8700-c0525d23304f" providerId="ADAL" clId="{23FAB5F9-CE55-7B4E-82BA-8712A3FC70FD}" dt="2022-09-05T21:04:00.177" v="0" actId="2696"/>
-        <pc:sldMkLst>
-          <pc:docMk/>
-          <pc:sldMk cId="1697489442" sldId="348"/>
-        </pc:sldMkLst>
-      </pc:sldChg>
-      <pc:sldChg chg="del">
-        <pc:chgData name="Luciano Pereira Soares" userId="16c53e34-c952-423e-8700-c0525d23304f" providerId="ADAL" clId="{23FAB5F9-CE55-7B4E-82BA-8712A3FC70FD}" dt="2022-09-05T21:04:00.177" v="0" actId="2696"/>
-        <pc:sldMkLst>
-          <pc:docMk/>
-          <pc:sldMk cId="705461230" sldId="349"/>
-        </pc:sldMkLst>
-      </pc:sldChg>
-      <pc:sldChg chg="del">
-        <pc:chgData name="Luciano Pereira Soares" userId="16c53e34-c952-423e-8700-c0525d23304f" providerId="ADAL" clId="{23FAB5F9-CE55-7B4E-82BA-8712A3FC70FD}" dt="2022-09-05T21:04:00.177" v="0" actId="2696"/>
-        <pc:sldMkLst>
-          <pc:docMk/>
-          <pc:sldMk cId="3878375112" sldId="350"/>
-        </pc:sldMkLst>
-      </pc:sldChg>
-      <pc:sldChg chg="del">
-        <pc:chgData name="Luciano Pereira Soares" userId="16c53e34-c952-423e-8700-c0525d23304f" providerId="ADAL" clId="{23FAB5F9-CE55-7B4E-82BA-8712A3FC70FD}" dt="2022-09-05T21:04:00.177" v="0" actId="2696"/>
-        <pc:sldMkLst>
-          <pc:docMk/>
-          <pc:sldMk cId="3702188297" sldId="351"/>
-        </pc:sldMkLst>
-      </pc:sldChg>
-      <pc:sldChg chg="del">
-        <pc:chgData name="Luciano Pereira Soares" userId="16c53e34-c952-423e-8700-c0525d23304f" providerId="ADAL" clId="{23FAB5F9-CE55-7B4E-82BA-8712A3FC70FD}" dt="2022-09-05T21:04:00.177" v="0" actId="2696"/>
-        <pc:sldMkLst>
-          <pc:docMk/>
-          <pc:sldMk cId="3001422786" sldId="352"/>
-        </pc:sldMkLst>
-      </pc:sldChg>
-      <pc:sldChg chg="del">
-        <pc:chgData name="Luciano Pereira Soares" userId="16c53e34-c952-423e-8700-c0525d23304f" providerId="ADAL" clId="{23FAB5F9-CE55-7B4E-82BA-8712A3FC70FD}" dt="2022-09-05T21:04:00.177" v="0" actId="2696"/>
-        <pc:sldMkLst>
-          <pc:docMk/>
-          <pc:sldMk cId="2619416210" sldId="353"/>
-        </pc:sldMkLst>
-      </pc:sldChg>
-      <pc:sldChg chg="del">
-        <pc:chgData name="Luciano Pereira Soares" userId="16c53e34-c952-423e-8700-c0525d23304f" providerId="ADAL" clId="{23FAB5F9-CE55-7B4E-82BA-8712A3FC70FD}" dt="2022-09-05T21:04:00.177" v="0" actId="2696"/>
-        <pc:sldMkLst>
-          <pc:docMk/>
-          <pc:sldMk cId="3229030451" sldId="354"/>
-        </pc:sldMkLst>
-      </pc:sldChg>
-      <pc:sldChg chg="del">
-        <pc:chgData name="Luciano Pereira Soares" userId="16c53e34-c952-423e-8700-c0525d23304f" providerId="ADAL" clId="{23FAB5F9-CE55-7B4E-82BA-8712A3FC70FD}" dt="2022-09-05T21:04:00.177" v="0" actId="2696"/>
-        <pc:sldMkLst>
-          <pc:docMk/>
-          <pc:sldMk cId="3896182162" sldId="355"/>
-        </pc:sldMkLst>
-      </pc:sldChg>
-      <pc:sldChg chg="del">
-        <pc:chgData name="Luciano Pereira Soares" userId="16c53e34-c952-423e-8700-c0525d23304f" providerId="ADAL" clId="{23FAB5F9-CE55-7B4E-82BA-8712A3FC70FD}" dt="2022-09-05T21:04:00.177" v="0" actId="2696"/>
-        <pc:sldMkLst>
-          <pc:docMk/>
-          <pc:sldMk cId="803870030" sldId="358"/>
-        </pc:sldMkLst>
-      </pc:sldChg>
-      <pc:sldChg chg="del">
-        <pc:chgData name="Luciano Pereira Soares" userId="16c53e34-c952-423e-8700-c0525d23304f" providerId="ADAL" clId="{23FAB5F9-CE55-7B4E-82BA-8712A3FC70FD}" dt="2022-09-05T21:04:08.951" v="1" actId="2696"/>
-        <pc:sldMkLst>
-          <pc:docMk/>
-          <pc:sldMk cId="3201414690" sldId="359"/>
-        </pc:sldMkLst>
-      </pc:sldChg>
-      <pc:sldChg chg="del">
-        <pc:chgData name="Luciano Pereira Soares" userId="16c53e34-c952-423e-8700-c0525d23304f" providerId="ADAL" clId="{23FAB5F9-CE55-7B4E-82BA-8712A3FC70FD}" dt="2022-09-05T21:04:08.951" v="1" actId="2696"/>
-        <pc:sldMkLst>
-          <pc:docMk/>
-          <pc:sldMk cId="893012432" sldId="360"/>
-        </pc:sldMkLst>
-      </pc:sldChg>
-      <pc:sldChg chg="del">
-        <pc:chgData name="Luciano Pereira Soares" userId="16c53e34-c952-423e-8700-c0525d23304f" providerId="ADAL" clId="{23FAB5F9-CE55-7B4E-82BA-8712A3FC70FD}" dt="2022-09-05T21:04:08.951" v="1" actId="2696"/>
-        <pc:sldMkLst>
-          <pc:docMk/>
-          <pc:sldMk cId="1576181827" sldId="361"/>
-        </pc:sldMkLst>
-      </pc:sldChg>
-      <pc:sldChg chg="del">
-        <pc:chgData name="Luciano Pereira Soares" userId="16c53e34-c952-423e-8700-c0525d23304f" providerId="ADAL" clId="{23FAB5F9-CE55-7B4E-82BA-8712A3FC70FD}" dt="2022-09-05T21:04:08.951" v="1" actId="2696"/>
-        <pc:sldMkLst>
-          <pc:docMk/>
-          <pc:sldMk cId="1614382949" sldId="362"/>
-        </pc:sldMkLst>
-      </pc:sldChg>
-      <pc:sldChg chg="del">
-        <pc:chgData name="Luciano Pereira Soares" userId="16c53e34-c952-423e-8700-c0525d23304f" providerId="ADAL" clId="{23FAB5F9-CE55-7B4E-82BA-8712A3FC70FD}" dt="2022-09-05T21:04:08.951" v="1" actId="2696"/>
-        <pc:sldMkLst>
-          <pc:docMk/>
-          <pc:sldMk cId="4132049674" sldId="363"/>
-        </pc:sldMkLst>
-      </pc:sldChg>
-      <pc:sldChg chg="del">
-        <pc:chgData name="Luciano Pereira Soares" userId="16c53e34-c952-423e-8700-c0525d23304f" providerId="ADAL" clId="{23FAB5F9-CE55-7B4E-82BA-8712A3FC70FD}" dt="2022-09-05T21:04:08.951" v="1" actId="2696"/>
-        <pc:sldMkLst>
-          <pc:docMk/>
-          <pc:sldMk cId="3259701348" sldId="364"/>
-        </pc:sldMkLst>
-      </pc:sldChg>
-      <pc:sldChg chg="del">
-        <pc:chgData name="Luciano Pereira Soares" userId="16c53e34-c952-423e-8700-c0525d23304f" providerId="ADAL" clId="{23FAB5F9-CE55-7B4E-82BA-8712A3FC70FD}" dt="2022-09-05T21:04:08.951" v="1" actId="2696"/>
-        <pc:sldMkLst>
-          <pc:docMk/>
-          <pc:sldMk cId="216776023" sldId="365"/>
-        </pc:sldMkLst>
-      </pc:sldChg>
-      <pc:sldChg chg="del">
-        <pc:chgData name="Luciano Pereira Soares" userId="16c53e34-c952-423e-8700-c0525d23304f" providerId="ADAL" clId="{23FAB5F9-CE55-7B4E-82BA-8712A3FC70FD}" dt="2022-09-05T21:04:08.951" v="1" actId="2696"/>
-        <pc:sldMkLst>
-          <pc:docMk/>
-          <pc:sldMk cId="359813736" sldId="366"/>
-        </pc:sldMkLst>
-      </pc:sldChg>
-      <pc:sldChg chg="del">
-        <pc:chgData name="Luciano Pereira Soares" userId="16c53e34-c952-423e-8700-c0525d23304f" providerId="ADAL" clId="{23FAB5F9-CE55-7B4E-82BA-8712A3FC70FD}" dt="2022-09-05T21:04:08.951" v="1" actId="2696"/>
-        <pc:sldMkLst>
-          <pc:docMk/>
-          <pc:sldMk cId="772946029" sldId="367"/>
-        </pc:sldMkLst>
-      </pc:sldChg>
-      <pc:sldChg chg="del">
-        <pc:chgData name="Luciano Pereira Soares" userId="16c53e34-c952-423e-8700-c0525d23304f" providerId="ADAL" clId="{23FAB5F9-CE55-7B4E-82BA-8712A3FC70FD}" dt="2022-09-05T21:04:08.951" v="1" actId="2696"/>
-        <pc:sldMkLst>
-          <pc:docMk/>
-          <pc:sldMk cId="3959750458" sldId="368"/>
-        </pc:sldMkLst>
-      </pc:sldChg>
-      <pc:sldChg chg="del">
-        <pc:chgData name="Luciano Pereira Soares" userId="16c53e34-c952-423e-8700-c0525d23304f" providerId="ADAL" clId="{23FAB5F9-CE55-7B4E-82BA-8712A3FC70FD}" dt="2022-09-05T21:04:08.951" v="1" actId="2696"/>
-        <pc:sldMkLst>
-          <pc:docMk/>
-          <pc:sldMk cId="2512076844" sldId="369"/>
-        </pc:sldMkLst>
-      </pc:sldChg>
-      <pc:sldChg chg="del">
-        <pc:chgData name="Luciano Pereira Soares" userId="16c53e34-c952-423e-8700-c0525d23304f" providerId="ADAL" clId="{23FAB5F9-CE55-7B4E-82BA-8712A3FC70FD}" dt="2022-09-05T21:04:08.951" v="1" actId="2696"/>
-        <pc:sldMkLst>
-          <pc:docMk/>
-          <pc:sldMk cId="722687135" sldId="370"/>
-        </pc:sldMkLst>
-      </pc:sldChg>
-      <pc:sldChg chg="del">
-        <pc:chgData name="Luciano Pereira Soares" userId="16c53e34-c952-423e-8700-c0525d23304f" providerId="ADAL" clId="{23FAB5F9-CE55-7B4E-82BA-8712A3FC70FD}" dt="2022-09-05T21:04:08.951" v="1" actId="2696"/>
-        <pc:sldMkLst>
-          <pc:docMk/>
-          <pc:sldMk cId="177792696" sldId="371"/>
-        </pc:sldMkLst>
-      </pc:sldChg>
-      <pc:sldChg chg="del">
-        <pc:chgData name="Luciano Pereira Soares" userId="16c53e34-c952-423e-8700-c0525d23304f" providerId="ADAL" clId="{23FAB5F9-CE55-7B4E-82BA-8712A3FC70FD}" dt="2022-09-05T21:04:08.951" v="1" actId="2696"/>
-        <pc:sldMkLst>
-          <pc:docMk/>
-          <pc:sldMk cId="453015792" sldId="372"/>
-        </pc:sldMkLst>
-      </pc:sldChg>
-      <pc:sldChg chg="del">
-        <pc:chgData name="Luciano Pereira Soares" userId="16c53e34-c952-423e-8700-c0525d23304f" providerId="ADAL" clId="{23FAB5F9-CE55-7B4E-82BA-8712A3FC70FD}" dt="2022-09-05T21:04:08.951" v="1" actId="2696"/>
-        <pc:sldMkLst>
-          <pc:docMk/>
-          <pc:sldMk cId="3235331629" sldId="373"/>
-        </pc:sldMkLst>
-      </pc:sldChg>
-      <pc:sldChg chg="del">
-        <pc:chgData name="Luciano Pereira Soares" userId="16c53e34-c952-423e-8700-c0525d23304f" providerId="ADAL" clId="{23FAB5F9-CE55-7B4E-82BA-8712A3FC70FD}" dt="2022-09-05T21:04:08.951" v="1" actId="2696"/>
-        <pc:sldMkLst>
-          <pc:docMk/>
-          <pc:sldMk cId="3903842175" sldId="374"/>
-        </pc:sldMkLst>
-      </pc:sldChg>
-      <pc:sldChg chg="del">
-        <pc:chgData name="Luciano Pereira Soares" userId="16c53e34-c952-423e-8700-c0525d23304f" providerId="ADAL" clId="{23FAB5F9-CE55-7B4E-82BA-8712A3FC70FD}" dt="2022-09-05T21:04:08.951" v="1" actId="2696"/>
-        <pc:sldMkLst>
-          <pc:docMk/>
-          <pc:sldMk cId="2148714664" sldId="375"/>
-        </pc:sldMkLst>
-      </pc:sldChg>
-      <pc:sldChg chg="del">
-        <pc:chgData name="Luciano Pereira Soares" userId="16c53e34-c952-423e-8700-c0525d23304f" providerId="ADAL" clId="{23FAB5F9-CE55-7B4E-82BA-8712A3FC70FD}" dt="2022-09-05T21:04:08.951" v="1" actId="2696"/>
-        <pc:sldMkLst>
-          <pc:docMk/>
-          <pc:sldMk cId="3197320991" sldId="376"/>
-        </pc:sldMkLst>
-      </pc:sldChg>
-      <pc:sldChg chg="del">
-        <pc:chgData name="Luciano Pereira Soares" userId="16c53e34-c952-423e-8700-c0525d23304f" providerId="ADAL" clId="{23FAB5F9-CE55-7B4E-82BA-8712A3FC70FD}" dt="2022-09-05T21:04:08.951" v="1" actId="2696"/>
-        <pc:sldMkLst>
-          <pc:docMk/>
-          <pc:sldMk cId="114094196" sldId="377"/>
-        </pc:sldMkLst>
-      </pc:sldChg>
-      <pc:sldChg chg="del">
-        <pc:chgData name="Luciano Pereira Soares" userId="16c53e34-c952-423e-8700-c0525d23304f" providerId="ADAL" clId="{23FAB5F9-CE55-7B4E-82BA-8712A3FC70FD}" dt="2022-09-05T21:04:08.951" v="1" actId="2696"/>
-        <pc:sldMkLst>
-          <pc:docMk/>
-          <pc:sldMk cId="3519318922" sldId="378"/>
-        </pc:sldMkLst>
-      </pc:sldChg>
-      <pc:sldChg chg="del">
-        <pc:chgData name="Luciano Pereira Soares" userId="16c53e34-c952-423e-8700-c0525d23304f" providerId="ADAL" clId="{23FAB5F9-CE55-7B4E-82BA-8712A3FC70FD}" dt="2022-09-05T21:04:08.951" v="1" actId="2696"/>
-        <pc:sldMkLst>
-          <pc:docMk/>
-          <pc:sldMk cId="417961096" sldId="379"/>
-        </pc:sldMkLst>
-      </pc:sldChg>
-      <pc:sldChg chg="del">
-        <pc:chgData name="Luciano Pereira Soares" userId="16c53e34-c952-423e-8700-c0525d23304f" providerId="ADAL" clId="{23FAB5F9-CE55-7B4E-82BA-8712A3FC70FD}" dt="2022-09-05T21:04:08.951" v="1" actId="2696"/>
-        <pc:sldMkLst>
-          <pc:docMk/>
-          <pc:sldMk cId="4228510919" sldId="380"/>
-        </pc:sldMkLst>
-      </pc:sldChg>
-      <pc:sldChg chg="del">
-        <pc:chgData name="Luciano Pereira Soares" userId="16c53e34-c952-423e-8700-c0525d23304f" providerId="ADAL" clId="{23FAB5F9-CE55-7B4E-82BA-8712A3FC70FD}" dt="2022-09-05T21:04:08.951" v="1" actId="2696"/>
-        <pc:sldMkLst>
-          <pc:docMk/>
-          <pc:sldMk cId="3275196510" sldId="381"/>
-        </pc:sldMkLst>
-      </pc:sldChg>
-      <pc:sldChg chg="del">
-        <pc:chgData name="Luciano Pereira Soares" userId="16c53e34-c952-423e-8700-c0525d23304f" providerId="ADAL" clId="{23FAB5F9-CE55-7B4E-82BA-8712A3FC70FD}" dt="2022-09-05T21:04:08.951" v="1" actId="2696"/>
-        <pc:sldMkLst>
-          <pc:docMk/>
-          <pc:sldMk cId="3631642019" sldId="382"/>
-        </pc:sldMkLst>
-      </pc:sldChg>
-      <pc:sldChg chg="modSp mod">
-        <pc:chgData name="Luciano Pereira Soares" userId="16c53e34-c952-423e-8700-c0525d23304f" providerId="ADAL" clId="{23FAB5F9-CE55-7B4E-82BA-8712A3FC70FD}" dt="2022-09-05T21:04:12.772" v="3" actId="20577"/>
-        <pc:sldMkLst>
-          <pc:docMk/>
-          <pc:sldMk cId="1892385204" sldId="384"/>
-        </pc:sldMkLst>
-        <pc:spChg chg="mod">
-          <ac:chgData name="Luciano Pereira Soares" userId="16c53e34-c952-423e-8700-c0525d23304f" providerId="ADAL" clId="{23FAB5F9-CE55-7B4E-82BA-8712A3FC70FD}" dt="2022-09-05T21:04:12.772" v="3" actId="20577"/>
-          <ac:spMkLst>
-            <pc:docMk/>
-            <pc:sldMk cId="1892385204" sldId="384"/>
-            <ac:spMk id="4" creationId="{3B8D34AF-4651-D14B-84C4-E9FECE3D33FA}"/>
-          </ac:spMkLst>
-        </pc:spChg>
-      </pc:sldChg>
-      <pc:sldChg chg="del">
-        <pc:chgData name="Luciano Pereira Soares" userId="16c53e34-c952-423e-8700-c0525d23304f" providerId="ADAL" clId="{23FAB5F9-CE55-7B4E-82BA-8712A3FC70FD}" dt="2022-09-05T21:04:00.177" v="0" actId="2696"/>
-        <pc:sldMkLst>
-          <pc:docMk/>
-          <pc:sldMk cId="3547615086" sldId="394"/>
-        </pc:sldMkLst>
-      </pc:sldChg>
-      <pc:sldChg chg="modSp mod">
-        <pc:chgData name="Luciano Pereira Soares" userId="16c53e34-c952-423e-8700-c0525d23304f" providerId="ADAL" clId="{23FAB5F9-CE55-7B4E-82BA-8712A3FC70FD}" dt="2022-09-05T21:04:26.451" v="5" actId="20577"/>
-        <pc:sldMkLst>
-          <pc:docMk/>
-          <pc:sldMk cId="2186636348" sldId="406"/>
-        </pc:sldMkLst>
-        <pc:spChg chg="mod">
-          <ac:chgData name="Luciano Pereira Soares" userId="16c53e34-c952-423e-8700-c0525d23304f" providerId="ADAL" clId="{23FAB5F9-CE55-7B4E-82BA-8712A3FC70FD}" dt="2022-09-05T21:04:26.451" v="5" actId="20577"/>
-          <ac:spMkLst>
-            <pc:docMk/>
-            <pc:sldMk cId="2186636348" sldId="406"/>
-            <ac:spMk id="4" creationId="{3B8D34AF-4651-D14B-84C4-E9FECE3D33FA}"/>
-          </ac:spMkLst>
-        </pc:spChg>
-      </pc:sldChg>
-      <pc:sldChg chg="modSp mod">
-        <pc:chgData name="Luciano Pereira Soares" userId="16c53e34-c952-423e-8700-c0525d23304f" providerId="ADAL" clId="{23FAB5F9-CE55-7B4E-82BA-8712A3FC70FD}" dt="2022-09-05T21:04:33.372" v="7" actId="20577"/>
-        <pc:sldMkLst>
-          <pc:docMk/>
-          <pc:sldMk cId="1707880651" sldId="418"/>
-        </pc:sldMkLst>
-        <pc:spChg chg="mod">
-          <ac:chgData name="Luciano Pereira Soares" userId="16c53e34-c952-423e-8700-c0525d23304f" providerId="ADAL" clId="{23FAB5F9-CE55-7B4E-82BA-8712A3FC70FD}" dt="2022-09-05T21:04:33.372" v="7" actId="20577"/>
-          <ac:spMkLst>
-            <pc:docMk/>
-            <pc:sldMk cId="1707880651" sldId="418"/>
-            <ac:spMk id="4" creationId="{3B8D34AF-4651-D14B-84C4-E9FECE3D33FA}"/>
-          </ac:spMkLst>
-        </pc:spChg>
-      </pc:sldChg>
-      <pc:sldChg chg="modSp mod">
-        <pc:chgData name="Luciano Pereira Soares" userId="16c53e34-c952-423e-8700-c0525d23304f" providerId="ADAL" clId="{23FAB5F9-CE55-7B4E-82BA-8712A3FC70FD}" dt="2022-09-05T21:04:40.495" v="9" actId="20577"/>
-        <pc:sldMkLst>
-          <pc:docMk/>
-          <pc:sldMk cId="1550099056" sldId="421"/>
-        </pc:sldMkLst>
-        <pc:spChg chg="mod">
-          <ac:chgData name="Luciano Pereira Soares" userId="16c53e34-c952-423e-8700-c0525d23304f" providerId="ADAL" clId="{23FAB5F9-CE55-7B4E-82BA-8712A3FC70FD}" dt="2022-09-05T21:04:40.495" v="9" actId="20577"/>
-          <ac:spMkLst>
-            <pc:docMk/>
-            <pc:sldMk cId="1550099056" sldId="421"/>
-            <ac:spMk id="4" creationId="{3B8D34AF-4651-D14B-84C4-E9FECE3D33FA}"/>
-          </ac:spMkLst>
-        </pc:spChg>
-      </pc:sldChg>
-    </pc:docChg>
-  </pc:docChgLst>
-  <pc:docChgLst>
     <pc:chgData name="Luciano Pereira Soares" userId="16c53e34-c952-423e-8700-c0525d23304f" providerId="ADAL" clId="{21D76053-4FC2-8046-8E35-708C3EA86774}"/>
     <pc:docChg chg="custSel delSld modSld modSection">
       <pc:chgData name="Luciano Pereira Soares" userId="16c53e34-c952-423e-8700-c0525d23304f" providerId="ADAL" clId="{21D76053-4FC2-8046-8E35-708C3EA86774}" dt="2022-08-17T00:34:52.779" v="1" actId="2696"/>
@@ -2254,6 +1609,651 @@
           </pc:sldLayoutMkLst>
         </pc:sldLayoutChg>
       </pc:sldMasterChg>
+    </pc:docChg>
+  </pc:docChgLst>
+  <pc:docChgLst>
+    <pc:chgData name="Luciano Pereira Soares" userId="16c53e34-c952-423e-8700-c0525d23304f" providerId="ADAL" clId="{AEA032F2-1115-D14D-BBD7-8D36EDD06ADB}"/>
+    <pc:docChg chg="delSld modSection">
+      <pc:chgData name="Luciano Pereira Soares" userId="16c53e34-c952-423e-8700-c0525d23304f" providerId="ADAL" clId="{AEA032F2-1115-D14D-BBD7-8D36EDD06ADB}" dt="2022-09-05T21:08:50.428" v="1" actId="2696"/>
+      <pc:docMkLst>
+        <pc:docMk/>
+      </pc:docMkLst>
+      <pc:sldChg chg="del">
+        <pc:chgData name="Luciano Pereira Soares" userId="16c53e34-c952-423e-8700-c0525d23304f" providerId="ADAL" clId="{AEA032F2-1115-D14D-BBD7-8D36EDD06ADB}" dt="2022-09-05T21:07:43.372" v="0" actId="2696"/>
+        <pc:sldMkLst>
+          <pc:docMk/>
+          <pc:sldMk cId="1903815671" sldId="383"/>
+        </pc:sldMkLst>
+      </pc:sldChg>
+      <pc:sldChg chg="del">
+        <pc:chgData name="Luciano Pereira Soares" userId="16c53e34-c952-423e-8700-c0525d23304f" providerId="ADAL" clId="{AEA032F2-1115-D14D-BBD7-8D36EDD06ADB}" dt="2022-09-05T21:07:43.372" v="0" actId="2696"/>
+        <pc:sldMkLst>
+          <pc:docMk/>
+          <pc:sldMk cId="1892385204" sldId="384"/>
+        </pc:sldMkLst>
+      </pc:sldChg>
+      <pc:sldChg chg="del">
+        <pc:chgData name="Luciano Pereira Soares" userId="16c53e34-c952-423e-8700-c0525d23304f" providerId="ADAL" clId="{AEA032F2-1115-D14D-BBD7-8D36EDD06ADB}" dt="2022-09-05T21:07:43.372" v="0" actId="2696"/>
+        <pc:sldMkLst>
+          <pc:docMk/>
+          <pc:sldMk cId="221372873" sldId="385"/>
+        </pc:sldMkLst>
+      </pc:sldChg>
+      <pc:sldChg chg="del">
+        <pc:chgData name="Luciano Pereira Soares" userId="16c53e34-c952-423e-8700-c0525d23304f" providerId="ADAL" clId="{AEA032F2-1115-D14D-BBD7-8D36EDD06ADB}" dt="2022-09-05T21:07:43.372" v="0" actId="2696"/>
+        <pc:sldMkLst>
+          <pc:docMk/>
+          <pc:sldMk cId="1143466467" sldId="386"/>
+        </pc:sldMkLst>
+      </pc:sldChg>
+      <pc:sldChg chg="del">
+        <pc:chgData name="Luciano Pereira Soares" userId="16c53e34-c952-423e-8700-c0525d23304f" providerId="ADAL" clId="{AEA032F2-1115-D14D-BBD7-8D36EDD06ADB}" dt="2022-09-05T21:07:43.372" v="0" actId="2696"/>
+        <pc:sldMkLst>
+          <pc:docMk/>
+          <pc:sldMk cId="4024106893" sldId="387"/>
+        </pc:sldMkLst>
+      </pc:sldChg>
+      <pc:sldChg chg="del">
+        <pc:chgData name="Luciano Pereira Soares" userId="16c53e34-c952-423e-8700-c0525d23304f" providerId="ADAL" clId="{AEA032F2-1115-D14D-BBD7-8D36EDD06ADB}" dt="2022-09-05T21:07:43.372" v="0" actId="2696"/>
+        <pc:sldMkLst>
+          <pc:docMk/>
+          <pc:sldMk cId="1220360521" sldId="388"/>
+        </pc:sldMkLst>
+      </pc:sldChg>
+      <pc:sldChg chg="del">
+        <pc:chgData name="Luciano Pereira Soares" userId="16c53e34-c952-423e-8700-c0525d23304f" providerId="ADAL" clId="{AEA032F2-1115-D14D-BBD7-8D36EDD06ADB}" dt="2022-09-05T21:07:43.372" v="0" actId="2696"/>
+        <pc:sldMkLst>
+          <pc:docMk/>
+          <pc:sldMk cId="2686473803" sldId="389"/>
+        </pc:sldMkLst>
+      </pc:sldChg>
+      <pc:sldChg chg="del">
+        <pc:chgData name="Luciano Pereira Soares" userId="16c53e34-c952-423e-8700-c0525d23304f" providerId="ADAL" clId="{AEA032F2-1115-D14D-BBD7-8D36EDD06ADB}" dt="2022-09-05T21:07:43.372" v="0" actId="2696"/>
+        <pc:sldMkLst>
+          <pc:docMk/>
+          <pc:sldMk cId="2913216769" sldId="390"/>
+        </pc:sldMkLst>
+      </pc:sldChg>
+      <pc:sldChg chg="del">
+        <pc:chgData name="Luciano Pereira Soares" userId="16c53e34-c952-423e-8700-c0525d23304f" providerId="ADAL" clId="{AEA032F2-1115-D14D-BBD7-8D36EDD06ADB}" dt="2022-09-05T21:07:43.372" v="0" actId="2696"/>
+        <pc:sldMkLst>
+          <pc:docMk/>
+          <pc:sldMk cId="2051334807" sldId="391"/>
+        </pc:sldMkLst>
+      </pc:sldChg>
+      <pc:sldChg chg="del">
+        <pc:chgData name="Luciano Pereira Soares" userId="16c53e34-c952-423e-8700-c0525d23304f" providerId="ADAL" clId="{AEA032F2-1115-D14D-BBD7-8D36EDD06ADB}" dt="2022-09-05T21:07:43.372" v="0" actId="2696"/>
+        <pc:sldMkLst>
+          <pc:docMk/>
+          <pc:sldMk cId="1135835063" sldId="392"/>
+        </pc:sldMkLst>
+      </pc:sldChg>
+      <pc:sldChg chg="del">
+        <pc:chgData name="Luciano Pereira Soares" userId="16c53e34-c952-423e-8700-c0525d23304f" providerId="ADAL" clId="{AEA032F2-1115-D14D-BBD7-8D36EDD06ADB}" dt="2022-09-05T21:07:43.372" v="0" actId="2696"/>
+        <pc:sldMkLst>
+          <pc:docMk/>
+          <pc:sldMk cId="467721067" sldId="393"/>
+        </pc:sldMkLst>
+      </pc:sldChg>
+      <pc:sldChg chg="del">
+        <pc:chgData name="Luciano Pereira Soares" userId="16c53e34-c952-423e-8700-c0525d23304f" providerId="ADAL" clId="{AEA032F2-1115-D14D-BBD7-8D36EDD06ADB}" dt="2022-09-05T21:07:43.372" v="0" actId="2696"/>
+        <pc:sldMkLst>
+          <pc:docMk/>
+          <pc:sldMk cId="569669401" sldId="395"/>
+        </pc:sldMkLst>
+      </pc:sldChg>
+      <pc:sldChg chg="del">
+        <pc:chgData name="Luciano Pereira Soares" userId="16c53e34-c952-423e-8700-c0525d23304f" providerId="ADAL" clId="{AEA032F2-1115-D14D-BBD7-8D36EDD06ADB}" dt="2022-09-05T21:07:43.372" v="0" actId="2696"/>
+        <pc:sldMkLst>
+          <pc:docMk/>
+          <pc:sldMk cId="781476822" sldId="396"/>
+        </pc:sldMkLst>
+      </pc:sldChg>
+      <pc:sldChg chg="del">
+        <pc:chgData name="Luciano Pereira Soares" userId="16c53e34-c952-423e-8700-c0525d23304f" providerId="ADAL" clId="{AEA032F2-1115-D14D-BBD7-8D36EDD06ADB}" dt="2022-09-05T21:07:43.372" v="0" actId="2696"/>
+        <pc:sldMkLst>
+          <pc:docMk/>
+          <pc:sldMk cId="654933653" sldId="397"/>
+        </pc:sldMkLst>
+      </pc:sldChg>
+      <pc:sldChg chg="del">
+        <pc:chgData name="Luciano Pereira Soares" userId="16c53e34-c952-423e-8700-c0525d23304f" providerId="ADAL" clId="{AEA032F2-1115-D14D-BBD7-8D36EDD06ADB}" dt="2022-09-05T21:07:43.372" v="0" actId="2696"/>
+        <pc:sldMkLst>
+          <pc:docMk/>
+          <pc:sldMk cId="4028718503" sldId="398"/>
+        </pc:sldMkLst>
+      </pc:sldChg>
+      <pc:sldChg chg="del">
+        <pc:chgData name="Luciano Pereira Soares" userId="16c53e34-c952-423e-8700-c0525d23304f" providerId="ADAL" clId="{AEA032F2-1115-D14D-BBD7-8D36EDD06ADB}" dt="2022-09-05T21:07:43.372" v="0" actId="2696"/>
+        <pc:sldMkLst>
+          <pc:docMk/>
+          <pc:sldMk cId="2446880757" sldId="399"/>
+        </pc:sldMkLst>
+      </pc:sldChg>
+      <pc:sldChg chg="del">
+        <pc:chgData name="Luciano Pereira Soares" userId="16c53e34-c952-423e-8700-c0525d23304f" providerId="ADAL" clId="{AEA032F2-1115-D14D-BBD7-8D36EDD06ADB}" dt="2022-09-05T21:07:43.372" v="0" actId="2696"/>
+        <pc:sldMkLst>
+          <pc:docMk/>
+          <pc:sldMk cId="3756672616" sldId="400"/>
+        </pc:sldMkLst>
+      </pc:sldChg>
+      <pc:sldChg chg="del">
+        <pc:chgData name="Luciano Pereira Soares" userId="16c53e34-c952-423e-8700-c0525d23304f" providerId="ADAL" clId="{AEA032F2-1115-D14D-BBD7-8D36EDD06ADB}" dt="2022-09-05T21:07:43.372" v="0" actId="2696"/>
+        <pc:sldMkLst>
+          <pc:docMk/>
+          <pc:sldMk cId="397662049" sldId="401"/>
+        </pc:sldMkLst>
+      </pc:sldChg>
+      <pc:sldChg chg="del">
+        <pc:chgData name="Luciano Pereira Soares" userId="16c53e34-c952-423e-8700-c0525d23304f" providerId="ADAL" clId="{AEA032F2-1115-D14D-BBD7-8D36EDD06ADB}" dt="2022-09-05T21:07:43.372" v="0" actId="2696"/>
+        <pc:sldMkLst>
+          <pc:docMk/>
+          <pc:sldMk cId="870084269" sldId="402"/>
+        </pc:sldMkLst>
+      </pc:sldChg>
+      <pc:sldChg chg="del">
+        <pc:chgData name="Luciano Pereira Soares" userId="16c53e34-c952-423e-8700-c0525d23304f" providerId="ADAL" clId="{AEA032F2-1115-D14D-BBD7-8D36EDD06ADB}" dt="2022-09-05T21:07:43.372" v="0" actId="2696"/>
+        <pc:sldMkLst>
+          <pc:docMk/>
+          <pc:sldMk cId="3106495958" sldId="403"/>
+        </pc:sldMkLst>
+      </pc:sldChg>
+      <pc:sldChg chg="del">
+        <pc:chgData name="Luciano Pereira Soares" userId="16c53e34-c952-423e-8700-c0525d23304f" providerId="ADAL" clId="{AEA032F2-1115-D14D-BBD7-8D36EDD06ADB}" dt="2022-09-05T21:07:43.372" v="0" actId="2696"/>
+        <pc:sldMkLst>
+          <pc:docMk/>
+          <pc:sldMk cId="2230256581" sldId="404"/>
+        </pc:sldMkLst>
+      </pc:sldChg>
+      <pc:sldChg chg="del">
+        <pc:chgData name="Luciano Pereira Soares" userId="16c53e34-c952-423e-8700-c0525d23304f" providerId="ADAL" clId="{AEA032F2-1115-D14D-BBD7-8D36EDD06ADB}" dt="2022-09-05T21:07:43.372" v="0" actId="2696"/>
+        <pc:sldMkLst>
+          <pc:docMk/>
+          <pc:sldMk cId="859571029" sldId="405"/>
+        </pc:sldMkLst>
+      </pc:sldChg>
+      <pc:sldChg chg="del">
+        <pc:chgData name="Luciano Pereira Soares" userId="16c53e34-c952-423e-8700-c0525d23304f" providerId="ADAL" clId="{AEA032F2-1115-D14D-BBD7-8D36EDD06ADB}" dt="2022-09-05T21:07:43.372" v="0" actId="2696"/>
+        <pc:sldMkLst>
+          <pc:docMk/>
+          <pc:sldMk cId="2186636348" sldId="406"/>
+        </pc:sldMkLst>
+      </pc:sldChg>
+      <pc:sldChg chg="del">
+        <pc:chgData name="Luciano Pereira Soares" userId="16c53e34-c952-423e-8700-c0525d23304f" providerId="ADAL" clId="{AEA032F2-1115-D14D-BBD7-8D36EDD06ADB}" dt="2022-09-05T21:07:43.372" v="0" actId="2696"/>
+        <pc:sldMkLst>
+          <pc:docMk/>
+          <pc:sldMk cId="3627956553" sldId="407"/>
+        </pc:sldMkLst>
+      </pc:sldChg>
+      <pc:sldChg chg="del">
+        <pc:chgData name="Luciano Pereira Soares" userId="16c53e34-c952-423e-8700-c0525d23304f" providerId="ADAL" clId="{AEA032F2-1115-D14D-BBD7-8D36EDD06ADB}" dt="2022-09-05T21:07:43.372" v="0" actId="2696"/>
+        <pc:sldMkLst>
+          <pc:docMk/>
+          <pc:sldMk cId="3378276685" sldId="408"/>
+        </pc:sldMkLst>
+      </pc:sldChg>
+      <pc:sldChg chg="del">
+        <pc:chgData name="Luciano Pereira Soares" userId="16c53e34-c952-423e-8700-c0525d23304f" providerId="ADAL" clId="{AEA032F2-1115-D14D-BBD7-8D36EDD06ADB}" dt="2022-09-05T21:07:43.372" v="0" actId="2696"/>
+        <pc:sldMkLst>
+          <pc:docMk/>
+          <pc:sldMk cId="3783935605" sldId="409"/>
+        </pc:sldMkLst>
+      </pc:sldChg>
+      <pc:sldChg chg="del">
+        <pc:chgData name="Luciano Pereira Soares" userId="16c53e34-c952-423e-8700-c0525d23304f" providerId="ADAL" clId="{AEA032F2-1115-D14D-BBD7-8D36EDD06ADB}" dt="2022-09-05T21:07:43.372" v="0" actId="2696"/>
+        <pc:sldMkLst>
+          <pc:docMk/>
+          <pc:sldMk cId="845036898" sldId="410"/>
+        </pc:sldMkLst>
+      </pc:sldChg>
+      <pc:sldChg chg="del">
+        <pc:chgData name="Luciano Pereira Soares" userId="16c53e34-c952-423e-8700-c0525d23304f" providerId="ADAL" clId="{AEA032F2-1115-D14D-BBD7-8D36EDD06ADB}" dt="2022-09-05T21:07:43.372" v="0" actId="2696"/>
+        <pc:sldMkLst>
+          <pc:docMk/>
+          <pc:sldMk cId="4259734626" sldId="411"/>
+        </pc:sldMkLst>
+      </pc:sldChg>
+      <pc:sldChg chg="del">
+        <pc:chgData name="Luciano Pereira Soares" userId="16c53e34-c952-423e-8700-c0525d23304f" providerId="ADAL" clId="{AEA032F2-1115-D14D-BBD7-8D36EDD06ADB}" dt="2022-09-05T21:07:43.372" v="0" actId="2696"/>
+        <pc:sldMkLst>
+          <pc:docMk/>
+          <pc:sldMk cId="374341077" sldId="412"/>
+        </pc:sldMkLst>
+      </pc:sldChg>
+      <pc:sldChg chg="del">
+        <pc:chgData name="Luciano Pereira Soares" userId="16c53e34-c952-423e-8700-c0525d23304f" providerId="ADAL" clId="{AEA032F2-1115-D14D-BBD7-8D36EDD06ADB}" dt="2022-09-05T21:07:43.372" v="0" actId="2696"/>
+        <pc:sldMkLst>
+          <pc:docMk/>
+          <pc:sldMk cId="2799334177" sldId="413"/>
+        </pc:sldMkLst>
+      </pc:sldChg>
+      <pc:sldChg chg="del">
+        <pc:chgData name="Luciano Pereira Soares" userId="16c53e34-c952-423e-8700-c0525d23304f" providerId="ADAL" clId="{AEA032F2-1115-D14D-BBD7-8D36EDD06ADB}" dt="2022-09-05T21:07:43.372" v="0" actId="2696"/>
+        <pc:sldMkLst>
+          <pc:docMk/>
+          <pc:sldMk cId="3130062975" sldId="414"/>
+        </pc:sldMkLst>
+      </pc:sldChg>
+      <pc:sldChg chg="del">
+        <pc:chgData name="Luciano Pereira Soares" userId="16c53e34-c952-423e-8700-c0525d23304f" providerId="ADAL" clId="{AEA032F2-1115-D14D-BBD7-8D36EDD06ADB}" dt="2022-09-05T21:08:50.428" v="1" actId="2696"/>
+        <pc:sldMkLst>
+          <pc:docMk/>
+          <pc:sldMk cId="1794421638" sldId="415"/>
+        </pc:sldMkLst>
+      </pc:sldChg>
+      <pc:sldChg chg="del">
+        <pc:chgData name="Luciano Pereira Soares" userId="16c53e34-c952-423e-8700-c0525d23304f" providerId="ADAL" clId="{AEA032F2-1115-D14D-BBD7-8D36EDD06ADB}" dt="2022-09-05T21:07:43.372" v="0" actId="2696"/>
+        <pc:sldMkLst>
+          <pc:docMk/>
+          <pc:sldMk cId="1738278355" sldId="416"/>
+        </pc:sldMkLst>
+      </pc:sldChg>
+      <pc:sldChg chg="del">
+        <pc:chgData name="Luciano Pereira Soares" userId="16c53e34-c952-423e-8700-c0525d23304f" providerId="ADAL" clId="{AEA032F2-1115-D14D-BBD7-8D36EDD06ADB}" dt="2022-09-05T21:08:50.428" v="1" actId="2696"/>
+        <pc:sldMkLst>
+          <pc:docMk/>
+          <pc:sldMk cId="1655007093" sldId="417"/>
+        </pc:sldMkLst>
+      </pc:sldChg>
+      <pc:sldChg chg="del">
+        <pc:chgData name="Luciano Pereira Soares" userId="16c53e34-c952-423e-8700-c0525d23304f" providerId="ADAL" clId="{AEA032F2-1115-D14D-BBD7-8D36EDD06ADB}" dt="2022-09-05T21:08:50.428" v="1" actId="2696"/>
+        <pc:sldMkLst>
+          <pc:docMk/>
+          <pc:sldMk cId="1707880651" sldId="418"/>
+        </pc:sldMkLst>
+      </pc:sldChg>
+      <pc:sldChg chg="del">
+        <pc:chgData name="Luciano Pereira Soares" userId="16c53e34-c952-423e-8700-c0525d23304f" providerId="ADAL" clId="{AEA032F2-1115-D14D-BBD7-8D36EDD06ADB}" dt="2022-09-05T21:07:43.372" v="0" actId="2696"/>
+        <pc:sldMkLst>
+          <pc:docMk/>
+          <pc:sldMk cId="2183881429" sldId="419"/>
+        </pc:sldMkLst>
+      </pc:sldChg>
+      <pc:sldChg chg="del">
+        <pc:chgData name="Luciano Pereira Soares" userId="16c53e34-c952-423e-8700-c0525d23304f" providerId="ADAL" clId="{AEA032F2-1115-D14D-BBD7-8D36EDD06ADB}" dt="2022-09-05T21:08:50.428" v="1" actId="2696"/>
+        <pc:sldMkLst>
+          <pc:docMk/>
+          <pc:sldMk cId="3693946769" sldId="433"/>
+        </pc:sldMkLst>
+      </pc:sldChg>
+    </pc:docChg>
+  </pc:docChgLst>
+  <pc:docChgLst>
+    <pc:chgData name="Luciano Pereira Soares" userId="16c53e34-c952-423e-8700-c0525d23304f" providerId="ADAL" clId="{23FAB5F9-CE55-7B4E-82BA-8712A3FC70FD}"/>
+    <pc:docChg chg="delSld modSld modSection">
+      <pc:chgData name="Luciano Pereira Soares" userId="16c53e34-c952-423e-8700-c0525d23304f" providerId="ADAL" clId="{23FAB5F9-CE55-7B4E-82BA-8712A3FC70FD}" dt="2022-09-05T21:04:40.495" v="9" actId="20577"/>
+      <pc:docMkLst>
+        <pc:docMk/>
+      </pc:docMkLst>
+      <pc:sldChg chg="del">
+        <pc:chgData name="Luciano Pereira Soares" userId="16c53e34-c952-423e-8700-c0525d23304f" providerId="ADAL" clId="{23FAB5F9-CE55-7B4E-82BA-8712A3FC70FD}" dt="2022-09-05T21:04:00.177" v="0" actId="2696"/>
+        <pc:sldMkLst>
+          <pc:docMk/>
+          <pc:sldMk cId="836569805" sldId="338"/>
+        </pc:sldMkLst>
+      </pc:sldChg>
+      <pc:sldChg chg="del">
+        <pc:chgData name="Luciano Pereira Soares" userId="16c53e34-c952-423e-8700-c0525d23304f" providerId="ADAL" clId="{23FAB5F9-CE55-7B4E-82BA-8712A3FC70FD}" dt="2022-09-05T21:04:00.177" v="0" actId="2696"/>
+        <pc:sldMkLst>
+          <pc:docMk/>
+          <pc:sldMk cId="1175192112" sldId="339"/>
+        </pc:sldMkLst>
+      </pc:sldChg>
+      <pc:sldChg chg="del">
+        <pc:chgData name="Luciano Pereira Soares" userId="16c53e34-c952-423e-8700-c0525d23304f" providerId="ADAL" clId="{23FAB5F9-CE55-7B4E-82BA-8712A3FC70FD}" dt="2022-09-05T21:04:00.177" v="0" actId="2696"/>
+        <pc:sldMkLst>
+          <pc:docMk/>
+          <pc:sldMk cId="2740425970" sldId="340"/>
+        </pc:sldMkLst>
+      </pc:sldChg>
+      <pc:sldChg chg="del">
+        <pc:chgData name="Luciano Pereira Soares" userId="16c53e34-c952-423e-8700-c0525d23304f" providerId="ADAL" clId="{23FAB5F9-CE55-7B4E-82BA-8712A3FC70FD}" dt="2022-09-05T21:04:00.177" v="0" actId="2696"/>
+        <pc:sldMkLst>
+          <pc:docMk/>
+          <pc:sldMk cId="1471685992" sldId="341"/>
+        </pc:sldMkLst>
+      </pc:sldChg>
+      <pc:sldChg chg="del">
+        <pc:chgData name="Luciano Pereira Soares" userId="16c53e34-c952-423e-8700-c0525d23304f" providerId="ADAL" clId="{23FAB5F9-CE55-7B4E-82BA-8712A3FC70FD}" dt="2022-09-05T21:04:00.177" v="0" actId="2696"/>
+        <pc:sldMkLst>
+          <pc:docMk/>
+          <pc:sldMk cId="478202765" sldId="342"/>
+        </pc:sldMkLst>
+      </pc:sldChg>
+      <pc:sldChg chg="del">
+        <pc:chgData name="Luciano Pereira Soares" userId="16c53e34-c952-423e-8700-c0525d23304f" providerId="ADAL" clId="{23FAB5F9-CE55-7B4E-82BA-8712A3FC70FD}" dt="2022-09-05T21:04:00.177" v="0" actId="2696"/>
+        <pc:sldMkLst>
+          <pc:docMk/>
+          <pc:sldMk cId="4179067694" sldId="343"/>
+        </pc:sldMkLst>
+      </pc:sldChg>
+      <pc:sldChg chg="del">
+        <pc:chgData name="Luciano Pereira Soares" userId="16c53e34-c952-423e-8700-c0525d23304f" providerId="ADAL" clId="{23FAB5F9-CE55-7B4E-82BA-8712A3FC70FD}" dt="2022-09-05T21:04:00.177" v="0" actId="2696"/>
+        <pc:sldMkLst>
+          <pc:docMk/>
+          <pc:sldMk cId="501138830" sldId="344"/>
+        </pc:sldMkLst>
+      </pc:sldChg>
+      <pc:sldChg chg="del">
+        <pc:chgData name="Luciano Pereira Soares" userId="16c53e34-c952-423e-8700-c0525d23304f" providerId="ADAL" clId="{23FAB5F9-CE55-7B4E-82BA-8712A3FC70FD}" dt="2022-09-05T21:04:00.177" v="0" actId="2696"/>
+        <pc:sldMkLst>
+          <pc:docMk/>
+          <pc:sldMk cId="528288865" sldId="345"/>
+        </pc:sldMkLst>
+      </pc:sldChg>
+      <pc:sldChg chg="del">
+        <pc:chgData name="Luciano Pereira Soares" userId="16c53e34-c952-423e-8700-c0525d23304f" providerId="ADAL" clId="{23FAB5F9-CE55-7B4E-82BA-8712A3FC70FD}" dt="2022-09-05T21:04:00.177" v="0" actId="2696"/>
+        <pc:sldMkLst>
+          <pc:docMk/>
+          <pc:sldMk cId="1677325553" sldId="346"/>
+        </pc:sldMkLst>
+      </pc:sldChg>
+      <pc:sldChg chg="del">
+        <pc:chgData name="Luciano Pereira Soares" userId="16c53e34-c952-423e-8700-c0525d23304f" providerId="ADAL" clId="{23FAB5F9-CE55-7B4E-82BA-8712A3FC70FD}" dt="2022-09-05T21:04:00.177" v="0" actId="2696"/>
+        <pc:sldMkLst>
+          <pc:docMk/>
+          <pc:sldMk cId="2657953214" sldId="347"/>
+        </pc:sldMkLst>
+      </pc:sldChg>
+      <pc:sldChg chg="del">
+        <pc:chgData name="Luciano Pereira Soares" userId="16c53e34-c952-423e-8700-c0525d23304f" providerId="ADAL" clId="{23FAB5F9-CE55-7B4E-82BA-8712A3FC70FD}" dt="2022-09-05T21:04:00.177" v="0" actId="2696"/>
+        <pc:sldMkLst>
+          <pc:docMk/>
+          <pc:sldMk cId="1697489442" sldId="348"/>
+        </pc:sldMkLst>
+      </pc:sldChg>
+      <pc:sldChg chg="del">
+        <pc:chgData name="Luciano Pereira Soares" userId="16c53e34-c952-423e-8700-c0525d23304f" providerId="ADAL" clId="{23FAB5F9-CE55-7B4E-82BA-8712A3FC70FD}" dt="2022-09-05T21:04:00.177" v="0" actId="2696"/>
+        <pc:sldMkLst>
+          <pc:docMk/>
+          <pc:sldMk cId="705461230" sldId="349"/>
+        </pc:sldMkLst>
+      </pc:sldChg>
+      <pc:sldChg chg="del">
+        <pc:chgData name="Luciano Pereira Soares" userId="16c53e34-c952-423e-8700-c0525d23304f" providerId="ADAL" clId="{23FAB5F9-CE55-7B4E-82BA-8712A3FC70FD}" dt="2022-09-05T21:04:00.177" v="0" actId="2696"/>
+        <pc:sldMkLst>
+          <pc:docMk/>
+          <pc:sldMk cId="3878375112" sldId="350"/>
+        </pc:sldMkLst>
+      </pc:sldChg>
+      <pc:sldChg chg="del">
+        <pc:chgData name="Luciano Pereira Soares" userId="16c53e34-c952-423e-8700-c0525d23304f" providerId="ADAL" clId="{23FAB5F9-CE55-7B4E-82BA-8712A3FC70FD}" dt="2022-09-05T21:04:00.177" v="0" actId="2696"/>
+        <pc:sldMkLst>
+          <pc:docMk/>
+          <pc:sldMk cId="3702188297" sldId="351"/>
+        </pc:sldMkLst>
+      </pc:sldChg>
+      <pc:sldChg chg="del">
+        <pc:chgData name="Luciano Pereira Soares" userId="16c53e34-c952-423e-8700-c0525d23304f" providerId="ADAL" clId="{23FAB5F9-CE55-7B4E-82BA-8712A3FC70FD}" dt="2022-09-05T21:04:00.177" v="0" actId="2696"/>
+        <pc:sldMkLst>
+          <pc:docMk/>
+          <pc:sldMk cId="3001422786" sldId="352"/>
+        </pc:sldMkLst>
+      </pc:sldChg>
+      <pc:sldChg chg="del">
+        <pc:chgData name="Luciano Pereira Soares" userId="16c53e34-c952-423e-8700-c0525d23304f" providerId="ADAL" clId="{23FAB5F9-CE55-7B4E-82BA-8712A3FC70FD}" dt="2022-09-05T21:04:00.177" v="0" actId="2696"/>
+        <pc:sldMkLst>
+          <pc:docMk/>
+          <pc:sldMk cId="2619416210" sldId="353"/>
+        </pc:sldMkLst>
+      </pc:sldChg>
+      <pc:sldChg chg="del">
+        <pc:chgData name="Luciano Pereira Soares" userId="16c53e34-c952-423e-8700-c0525d23304f" providerId="ADAL" clId="{23FAB5F9-CE55-7B4E-82BA-8712A3FC70FD}" dt="2022-09-05T21:04:00.177" v="0" actId="2696"/>
+        <pc:sldMkLst>
+          <pc:docMk/>
+          <pc:sldMk cId="3229030451" sldId="354"/>
+        </pc:sldMkLst>
+      </pc:sldChg>
+      <pc:sldChg chg="del">
+        <pc:chgData name="Luciano Pereira Soares" userId="16c53e34-c952-423e-8700-c0525d23304f" providerId="ADAL" clId="{23FAB5F9-CE55-7B4E-82BA-8712A3FC70FD}" dt="2022-09-05T21:04:00.177" v="0" actId="2696"/>
+        <pc:sldMkLst>
+          <pc:docMk/>
+          <pc:sldMk cId="3896182162" sldId="355"/>
+        </pc:sldMkLst>
+      </pc:sldChg>
+      <pc:sldChg chg="del">
+        <pc:chgData name="Luciano Pereira Soares" userId="16c53e34-c952-423e-8700-c0525d23304f" providerId="ADAL" clId="{23FAB5F9-CE55-7B4E-82BA-8712A3FC70FD}" dt="2022-09-05T21:04:00.177" v="0" actId="2696"/>
+        <pc:sldMkLst>
+          <pc:docMk/>
+          <pc:sldMk cId="803870030" sldId="358"/>
+        </pc:sldMkLst>
+      </pc:sldChg>
+      <pc:sldChg chg="del">
+        <pc:chgData name="Luciano Pereira Soares" userId="16c53e34-c952-423e-8700-c0525d23304f" providerId="ADAL" clId="{23FAB5F9-CE55-7B4E-82BA-8712A3FC70FD}" dt="2022-09-05T21:04:08.951" v="1" actId="2696"/>
+        <pc:sldMkLst>
+          <pc:docMk/>
+          <pc:sldMk cId="3201414690" sldId="359"/>
+        </pc:sldMkLst>
+      </pc:sldChg>
+      <pc:sldChg chg="del">
+        <pc:chgData name="Luciano Pereira Soares" userId="16c53e34-c952-423e-8700-c0525d23304f" providerId="ADAL" clId="{23FAB5F9-CE55-7B4E-82BA-8712A3FC70FD}" dt="2022-09-05T21:04:08.951" v="1" actId="2696"/>
+        <pc:sldMkLst>
+          <pc:docMk/>
+          <pc:sldMk cId="893012432" sldId="360"/>
+        </pc:sldMkLst>
+      </pc:sldChg>
+      <pc:sldChg chg="del">
+        <pc:chgData name="Luciano Pereira Soares" userId="16c53e34-c952-423e-8700-c0525d23304f" providerId="ADAL" clId="{23FAB5F9-CE55-7B4E-82BA-8712A3FC70FD}" dt="2022-09-05T21:04:08.951" v="1" actId="2696"/>
+        <pc:sldMkLst>
+          <pc:docMk/>
+          <pc:sldMk cId="1576181827" sldId="361"/>
+        </pc:sldMkLst>
+      </pc:sldChg>
+      <pc:sldChg chg="del">
+        <pc:chgData name="Luciano Pereira Soares" userId="16c53e34-c952-423e-8700-c0525d23304f" providerId="ADAL" clId="{23FAB5F9-CE55-7B4E-82BA-8712A3FC70FD}" dt="2022-09-05T21:04:08.951" v="1" actId="2696"/>
+        <pc:sldMkLst>
+          <pc:docMk/>
+          <pc:sldMk cId="1614382949" sldId="362"/>
+        </pc:sldMkLst>
+      </pc:sldChg>
+      <pc:sldChg chg="del">
+        <pc:chgData name="Luciano Pereira Soares" userId="16c53e34-c952-423e-8700-c0525d23304f" providerId="ADAL" clId="{23FAB5F9-CE55-7B4E-82BA-8712A3FC70FD}" dt="2022-09-05T21:04:08.951" v="1" actId="2696"/>
+        <pc:sldMkLst>
+          <pc:docMk/>
+          <pc:sldMk cId="4132049674" sldId="363"/>
+        </pc:sldMkLst>
+      </pc:sldChg>
+      <pc:sldChg chg="del">
+        <pc:chgData name="Luciano Pereira Soares" userId="16c53e34-c952-423e-8700-c0525d23304f" providerId="ADAL" clId="{23FAB5F9-CE55-7B4E-82BA-8712A3FC70FD}" dt="2022-09-05T21:04:08.951" v="1" actId="2696"/>
+        <pc:sldMkLst>
+          <pc:docMk/>
+          <pc:sldMk cId="3259701348" sldId="364"/>
+        </pc:sldMkLst>
+      </pc:sldChg>
+      <pc:sldChg chg="del">
+        <pc:chgData name="Luciano Pereira Soares" userId="16c53e34-c952-423e-8700-c0525d23304f" providerId="ADAL" clId="{23FAB5F9-CE55-7B4E-82BA-8712A3FC70FD}" dt="2022-09-05T21:04:08.951" v="1" actId="2696"/>
+        <pc:sldMkLst>
+          <pc:docMk/>
+          <pc:sldMk cId="216776023" sldId="365"/>
+        </pc:sldMkLst>
+      </pc:sldChg>
+      <pc:sldChg chg="del">
+        <pc:chgData name="Luciano Pereira Soares" userId="16c53e34-c952-423e-8700-c0525d23304f" providerId="ADAL" clId="{23FAB5F9-CE55-7B4E-82BA-8712A3FC70FD}" dt="2022-09-05T21:04:08.951" v="1" actId="2696"/>
+        <pc:sldMkLst>
+          <pc:docMk/>
+          <pc:sldMk cId="359813736" sldId="366"/>
+        </pc:sldMkLst>
+      </pc:sldChg>
+      <pc:sldChg chg="del">
+        <pc:chgData name="Luciano Pereira Soares" userId="16c53e34-c952-423e-8700-c0525d23304f" providerId="ADAL" clId="{23FAB5F9-CE55-7B4E-82BA-8712A3FC70FD}" dt="2022-09-05T21:04:08.951" v="1" actId="2696"/>
+        <pc:sldMkLst>
+          <pc:docMk/>
+          <pc:sldMk cId="772946029" sldId="367"/>
+        </pc:sldMkLst>
+      </pc:sldChg>
+      <pc:sldChg chg="del">
+        <pc:chgData name="Luciano Pereira Soares" userId="16c53e34-c952-423e-8700-c0525d23304f" providerId="ADAL" clId="{23FAB5F9-CE55-7B4E-82BA-8712A3FC70FD}" dt="2022-09-05T21:04:08.951" v="1" actId="2696"/>
+        <pc:sldMkLst>
+          <pc:docMk/>
+          <pc:sldMk cId="3959750458" sldId="368"/>
+        </pc:sldMkLst>
+      </pc:sldChg>
+      <pc:sldChg chg="del">
+        <pc:chgData name="Luciano Pereira Soares" userId="16c53e34-c952-423e-8700-c0525d23304f" providerId="ADAL" clId="{23FAB5F9-CE55-7B4E-82BA-8712A3FC70FD}" dt="2022-09-05T21:04:08.951" v="1" actId="2696"/>
+        <pc:sldMkLst>
+          <pc:docMk/>
+          <pc:sldMk cId="2512076844" sldId="369"/>
+        </pc:sldMkLst>
+      </pc:sldChg>
+      <pc:sldChg chg="del">
+        <pc:chgData name="Luciano Pereira Soares" userId="16c53e34-c952-423e-8700-c0525d23304f" providerId="ADAL" clId="{23FAB5F9-CE55-7B4E-82BA-8712A3FC70FD}" dt="2022-09-05T21:04:08.951" v="1" actId="2696"/>
+        <pc:sldMkLst>
+          <pc:docMk/>
+          <pc:sldMk cId="722687135" sldId="370"/>
+        </pc:sldMkLst>
+      </pc:sldChg>
+      <pc:sldChg chg="del">
+        <pc:chgData name="Luciano Pereira Soares" userId="16c53e34-c952-423e-8700-c0525d23304f" providerId="ADAL" clId="{23FAB5F9-CE55-7B4E-82BA-8712A3FC70FD}" dt="2022-09-05T21:04:08.951" v="1" actId="2696"/>
+        <pc:sldMkLst>
+          <pc:docMk/>
+          <pc:sldMk cId="177792696" sldId="371"/>
+        </pc:sldMkLst>
+      </pc:sldChg>
+      <pc:sldChg chg="del">
+        <pc:chgData name="Luciano Pereira Soares" userId="16c53e34-c952-423e-8700-c0525d23304f" providerId="ADAL" clId="{23FAB5F9-CE55-7B4E-82BA-8712A3FC70FD}" dt="2022-09-05T21:04:08.951" v="1" actId="2696"/>
+        <pc:sldMkLst>
+          <pc:docMk/>
+          <pc:sldMk cId="453015792" sldId="372"/>
+        </pc:sldMkLst>
+      </pc:sldChg>
+      <pc:sldChg chg="del">
+        <pc:chgData name="Luciano Pereira Soares" userId="16c53e34-c952-423e-8700-c0525d23304f" providerId="ADAL" clId="{23FAB5F9-CE55-7B4E-82BA-8712A3FC70FD}" dt="2022-09-05T21:04:08.951" v="1" actId="2696"/>
+        <pc:sldMkLst>
+          <pc:docMk/>
+          <pc:sldMk cId="3235331629" sldId="373"/>
+        </pc:sldMkLst>
+      </pc:sldChg>
+      <pc:sldChg chg="del">
+        <pc:chgData name="Luciano Pereira Soares" userId="16c53e34-c952-423e-8700-c0525d23304f" providerId="ADAL" clId="{23FAB5F9-CE55-7B4E-82BA-8712A3FC70FD}" dt="2022-09-05T21:04:08.951" v="1" actId="2696"/>
+        <pc:sldMkLst>
+          <pc:docMk/>
+          <pc:sldMk cId="3903842175" sldId="374"/>
+        </pc:sldMkLst>
+      </pc:sldChg>
+      <pc:sldChg chg="del">
+        <pc:chgData name="Luciano Pereira Soares" userId="16c53e34-c952-423e-8700-c0525d23304f" providerId="ADAL" clId="{23FAB5F9-CE55-7B4E-82BA-8712A3FC70FD}" dt="2022-09-05T21:04:08.951" v="1" actId="2696"/>
+        <pc:sldMkLst>
+          <pc:docMk/>
+          <pc:sldMk cId="2148714664" sldId="375"/>
+        </pc:sldMkLst>
+      </pc:sldChg>
+      <pc:sldChg chg="del">
+        <pc:chgData name="Luciano Pereira Soares" userId="16c53e34-c952-423e-8700-c0525d23304f" providerId="ADAL" clId="{23FAB5F9-CE55-7B4E-82BA-8712A3FC70FD}" dt="2022-09-05T21:04:08.951" v="1" actId="2696"/>
+        <pc:sldMkLst>
+          <pc:docMk/>
+          <pc:sldMk cId="3197320991" sldId="376"/>
+        </pc:sldMkLst>
+      </pc:sldChg>
+      <pc:sldChg chg="del">
+        <pc:chgData name="Luciano Pereira Soares" userId="16c53e34-c952-423e-8700-c0525d23304f" providerId="ADAL" clId="{23FAB5F9-CE55-7B4E-82BA-8712A3FC70FD}" dt="2022-09-05T21:04:08.951" v="1" actId="2696"/>
+        <pc:sldMkLst>
+          <pc:docMk/>
+          <pc:sldMk cId="114094196" sldId="377"/>
+        </pc:sldMkLst>
+      </pc:sldChg>
+      <pc:sldChg chg="del">
+        <pc:chgData name="Luciano Pereira Soares" userId="16c53e34-c952-423e-8700-c0525d23304f" providerId="ADAL" clId="{23FAB5F9-CE55-7B4E-82BA-8712A3FC70FD}" dt="2022-09-05T21:04:08.951" v="1" actId="2696"/>
+        <pc:sldMkLst>
+          <pc:docMk/>
+          <pc:sldMk cId="3519318922" sldId="378"/>
+        </pc:sldMkLst>
+      </pc:sldChg>
+      <pc:sldChg chg="del">
+        <pc:chgData name="Luciano Pereira Soares" userId="16c53e34-c952-423e-8700-c0525d23304f" providerId="ADAL" clId="{23FAB5F9-CE55-7B4E-82BA-8712A3FC70FD}" dt="2022-09-05T21:04:08.951" v="1" actId="2696"/>
+        <pc:sldMkLst>
+          <pc:docMk/>
+          <pc:sldMk cId="417961096" sldId="379"/>
+        </pc:sldMkLst>
+      </pc:sldChg>
+      <pc:sldChg chg="del">
+        <pc:chgData name="Luciano Pereira Soares" userId="16c53e34-c952-423e-8700-c0525d23304f" providerId="ADAL" clId="{23FAB5F9-CE55-7B4E-82BA-8712A3FC70FD}" dt="2022-09-05T21:04:08.951" v="1" actId="2696"/>
+        <pc:sldMkLst>
+          <pc:docMk/>
+          <pc:sldMk cId="4228510919" sldId="380"/>
+        </pc:sldMkLst>
+      </pc:sldChg>
+      <pc:sldChg chg="del">
+        <pc:chgData name="Luciano Pereira Soares" userId="16c53e34-c952-423e-8700-c0525d23304f" providerId="ADAL" clId="{23FAB5F9-CE55-7B4E-82BA-8712A3FC70FD}" dt="2022-09-05T21:04:08.951" v="1" actId="2696"/>
+        <pc:sldMkLst>
+          <pc:docMk/>
+          <pc:sldMk cId="3275196510" sldId="381"/>
+        </pc:sldMkLst>
+      </pc:sldChg>
+      <pc:sldChg chg="del">
+        <pc:chgData name="Luciano Pereira Soares" userId="16c53e34-c952-423e-8700-c0525d23304f" providerId="ADAL" clId="{23FAB5F9-CE55-7B4E-82BA-8712A3FC70FD}" dt="2022-09-05T21:04:08.951" v="1" actId="2696"/>
+        <pc:sldMkLst>
+          <pc:docMk/>
+          <pc:sldMk cId="3631642019" sldId="382"/>
+        </pc:sldMkLst>
+      </pc:sldChg>
+      <pc:sldChg chg="modSp mod">
+        <pc:chgData name="Luciano Pereira Soares" userId="16c53e34-c952-423e-8700-c0525d23304f" providerId="ADAL" clId="{23FAB5F9-CE55-7B4E-82BA-8712A3FC70FD}" dt="2022-09-05T21:04:12.772" v="3" actId="20577"/>
+        <pc:sldMkLst>
+          <pc:docMk/>
+          <pc:sldMk cId="1892385204" sldId="384"/>
+        </pc:sldMkLst>
+        <pc:spChg chg="mod">
+          <ac:chgData name="Luciano Pereira Soares" userId="16c53e34-c952-423e-8700-c0525d23304f" providerId="ADAL" clId="{23FAB5F9-CE55-7B4E-82BA-8712A3FC70FD}" dt="2022-09-05T21:04:12.772" v="3" actId="20577"/>
+          <ac:spMkLst>
+            <pc:docMk/>
+            <pc:sldMk cId="1892385204" sldId="384"/>
+            <ac:spMk id="4" creationId="{3B8D34AF-4651-D14B-84C4-E9FECE3D33FA}"/>
+          </ac:spMkLst>
+        </pc:spChg>
+      </pc:sldChg>
+      <pc:sldChg chg="del">
+        <pc:chgData name="Luciano Pereira Soares" userId="16c53e34-c952-423e-8700-c0525d23304f" providerId="ADAL" clId="{23FAB5F9-CE55-7B4E-82BA-8712A3FC70FD}" dt="2022-09-05T21:04:00.177" v="0" actId="2696"/>
+        <pc:sldMkLst>
+          <pc:docMk/>
+          <pc:sldMk cId="3547615086" sldId="394"/>
+        </pc:sldMkLst>
+      </pc:sldChg>
+      <pc:sldChg chg="modSp mod">
+        <pc:chgData name="Luciano Pereira Soares" userId="16c53e34-c952-423e-8700-c0525d23304f" providerId="ADAL" clId="{23FAB5F9-CE55-7B4E-82BA-8712A3FC70FD}" dt="2022-09-05T21:04:26.451" v="5" actId="20577"/>
+        <pc:sldMkLst>
+          <pc:docMk/>
+          <pc:sldMk cId="2186636348" sldId="406"/>
+        </pc:sldMkLst>
+        <pc:spChg chg="mod">
+          <ac:chgData name="Luciano Pereira Soares" userId="16c53e34-c952-423e-8700-c0525d23304f" providerId="ADAL" clId="{23FAB5F9-CE55-7B4E-82BA-8712A3FC70FD}" dt="2022-09-05T21:04:26.451" v="5" actId="20577"/>
+          <ac:spMkLst>
+            <pc:docMk/>
+            <pc:sldMk cId="2186636348" sldId="406"/>
+            <ac:spMk id="4" creationId="{3B8D34AF-4651-D14B-84C4-E9FECE3D33FA}"/>
+          </ac:spMkLst>
+        </pc:spChg>
+      </pc:sldChg>
+      <pc:sldChg chg="modSp mod">
+        <pc:chgData name="Luciano Pereira Soares" userId="16c53e34-c952-423e-8700-c0525d23304f" providerId="ADAL" clId="{23FAB5F9-CE55-7B4E-82BA-8712A3FC70FD}" dt="2022-09-05T21:04:33.372" v="7" actId="20577"/>
+        <pc:sldMkLst>
+          <pc:docMk/>
+          <pc:sldMk cId="1707880651" sldId="418"/>
+        </pc:sldMkLst>
+        <pc:spChg chg="mod">
+          <ac:chgData name="Luciano Pereira Soares" userId="16c53e34-c952-423e-8700-c0525d23304f" providerId="ADAL" clId="{23FAB5F9-CE55-7B4E-82BA-8712A3FC70FD}" dt="2022-09-05T21:04:33.372" v="7" actId="20577"/>
+          <ac:spMkLst>
+            <pc:docMk/>
+            <pc:sldMk cId="1707880651" sldId="418"/>
+            <ac:spMk id="4" creationId="{3B8D34AF-4651-D14B-84C4-E9FECE3D33FA}"/>
+          </ac:spMkLst>
+        </pc:spChg>
+      </pc:sldChg>
+      <pc:sldChg chg="modSp mod">
+        <pc:chgData name="Luciano Pereira Soares" userId="16c53e34-c952-423e-8700-c0525d23304f" providerId="ADAL" clId="{23FAB5F9-CE55-7B4E-82BA-8712A3FC70FD}" dt="2022-09-05T21:04:40.495" v="9" actId="20577"/>
+        <pc:sldMkLst>
+          <pc:docMk/>
+          <pc:sldMk cId="1550099056" sldId="421"/>
+        </pc:sldMkLst>
+        <pc:spChg chg="mod">
+          <ac:chgData name="Luciano Pereira Soares" userId="16c53e34-c952-423e-8700-c0525d23304f" providerId="ADAL" clId="{23FAB5F9-CE55-7B4E-82BA-8712A3FC70FD}" dt="2022-09-05T21:04:40.495" v="9" actId="20577"/>
+          <ac:spMkLst>
+            <pc:docMk/>
+            <pc:sldMk cId="1550099056" sldId="421"/>
+            <ac:spMk id="4" creationId="{3B8D34AF-4651-D14B-84C4-E9FECE3D33FA}"/>
+          </ac:spMkLst>
+        </pc:spChg>
+      </pc:sldChg>
     </pc:docChg>
   </pc:docChgLst>
 </pc:chgInfo>
@@ -8350,7 +8350,7 @@
               </a:r>
               <a:r>
                 <a:rPr lang="en-US" sz="1100" dirty="0"/>
-                <a:t> = 1</a:t>
+                <a:t> = 0</a:t>
               </a:r>
             </a:p>
           </p:txBody>
@@ -10880,11 +10880,24 @@
             <p:ph type="body" idx="1"/>
           </p:nvPr>
         </p:nvSpPr>
-        <p:spPr/>
+        <p:spPr>
+          <a:xfrm>
+            <a:off x="311700" y="1017725"/>
+            <a:ext cx="8520600" cy="3551150"/>
+          </a:xfrm>
+        </p:spPr>
         <p:txBody>
           <a:bodyPr/>
           <a:lstStyle/>
           <a:p>
+            <a:pPr>
+              <a:lnSpc>
+                <a:spcPct val="100000"/>
+              </a:lnSpc>
+              <a:spcBef>
+                <a:spcPts val="1800"/>
+              </a:spcBef>
+            </a:pPr>
             <a:r>
               <a:rPr lang="pt-BR" dirty="0" err="1"/>
               <a:t>Branch</a:t>
@@ -10899,6 +10912,14 @@
             </a:r>
           </a:p>
           <a:p>
+            <a:pPr>
+              <a:lnSpc>
+                <a:spcPct val="100000"/>
+              </a:lnSpc>
+              <a:spcBef>
+                <a:spcPts val="1800"/>
+              </a:spcBef>
+            </a:pPr>
             <a:r>
               <a:rPr lang="pt-BR" dirty="0" err="1"/>
               <a:t>Bound</a:t>
@@ -11249,65 +11270,69 @@
           <a:lstStyle/>
           <a:p>
             <a:r>
-              <a:rPr lang="pt-BR" dirty="0"/>
+              <a:rPr lang="pt-BR" sz="2000" dirty="0"/>
               <a:t>Nossa tarefa</a:t>
             </a:r>
           </a:p>
           <a:p>
-            <a:pPr lvl="1"/>
-            <a:r>
-              <a:rPr lang="pt-BR" dirty="0"/>
+            <a:pPr lvl="1">
+              <a:spcBef>
+                <a:spcPts val="0"/>
+              </a:spcBef>
+            </a:pPr>
+            <a:r>
+              <a:rPr lang="pt-BR" sz="1600" dirty="0"/>
               <a:t>Maximizar o valor da mochila</a:t>
             </a:r>
           </a:p>
           <a:p>
             <a:r>
-              <a:rPr lang="pt-BR" dirty="0"/>
+              <a:rPr lang="pt-BR" sz="2000" dirty="0"/>
               <a:t>Dois passos interativos: </a:t>
             </a:r>
             <a:r>
-              <a:rPr lang="pt-BR" dirty="0" err="1"/>
+              <a:rPr lang="pt-BR" sz="2000" dirty="0" err="1"/>
               <a:t>branching</a:t>
             </a:r>
             <a:r>
-              <a:rPr lang="pt-BR" dirty="0"/>
+              <a:rPr lang="pt-BR" sz="2000" dirty="0"/>
               <a:t> e </a:t>
             </a:r>
             <a:r>
-              <a:rPr lang="pt-BR" dirty="0" err="1"/>
+              <a:rPr lang="pt-BR" sz="2000" dirty="0" err="1"/>
               <a:t>bouding</a:t>
             </a:r>
-            <a:endParaRPr lang="pt-BR" dirty="0"/>
+            <a:endParaRPr lang="pt-BR" sz="2000" dirty="0"/>
           </a:p>
           <a:p>
             <a:r>
-              <a:rPr lang="pt-BR" b="1" dirty="0" err="1"/>
+              <a:rPr lang="pt-BR" sz="2000" b="1" dirty="0" err="1"/>
               <a:t>Branching</a:t>
             </a:r>
             <a:r>
-              <a:rPr lang="pt-BR" b="1" dirty="0"/>
+              <a:rPr lang="pt-BR" sz="2000" b="1" dirty="0"/>
               <a:t>:</a:t>
             </a:r>
             <a:r>
-              <a:rPr lang="pt-BR" dirty="0"/>
+              <a:rPr lang="pt-BR" sz="2000" dirty="0"/>
               <a:t> dividir o problema em subproblemas menores</a:t>
             </a:r>
           </a:p>
           <a:p>
             <a:r>
-              <a:rPr lang="pt-BR" b="1" dirty="0" err="1"/>
+              <a:rPr lang="pt-BR" sz="2000" b="1" dirty="0" err="1"/>
               <a:t>Bounding</a:t>
             </a:r>
             <a:r>
-              <a:rPr lang="pt-BR" b="1" dirty="0"/>
+              <a:rPr lang="pt-BR" sz="2000" b="1" dirty="0"/>
               <a:t>: </a:t>
             </a:r>
             <a:r>
-              <a:rPr lang="pt-BR" dirty="0"/>
+              <a:rPr lang="pt-BR" sz="2000" dirty="0"/>
               <a:t>encontrar uma </a:t>
             </a:r>
             <a:r>
-              <a:rPr lang="pt-BR" dirty="0">
+              <a:rPr lang="pt-BR" sz="2000" dirty="0">
                 <a:solidFill>
                   <a:srgbClr val="C00000"/>
                 </a:solidFill>
@@ -11315,62 +11340,74 @@
               <a:t>estimativa ótima </a:t>
             </a:r>
             <a:r>
-              <a:rPr lang="pt-BR" dirty="0"/>
+              <a:rPr lang="pt-BR" sz="2000" dirty="0"/>
               <a:t>da melhor solução para cada subproblema</a:t>
             </a:r>
           </a:p>
           <a:p>
-            <a:pPr lvl="1"/>
-            <a:r>
-              <a:rPr lang="pt-BR" dirty="0" err="1"/>
+            <a:pPr lvl="1">
+              <a:spcBef>
+                <a:spcPts val="0"/>
+              </a:spcBef>
+            </a:pPr>
+            <a:r>
+              <a:rPr lang="pt-BR" sz="1600" dirty="0" err="1"/>
               <a:t>Upper</a:t>
             </a:r>
             <a:r>
-              <a:rPr lang="pt-BR" dirty="0"/>
+              <a:rPr lang="pt-BR" sz="1600" dirty="0"/>
               <a:t> </a:t>
             </a:r>
             <a:r>
-              <a:rPr lang="pt-BR" dirty="0" err="1"/>
+              <a:rPr lang="pt-BR" sz="1600" dirty="0" err="1"/>
               <a:t>bound</a:t>
             </a:r>
             <a:r>
-              <a:rPr lang="pt-BR" dirty="0"/>
+              <a:rPr lang="pt-BR" sz="1600" dirty="0"/>
               <a:t> a ser maximizado</a:t>
             </a:r>
           </a:p>
           <a:p>
-            <a:pPr lvl="1"/>
-            <a:r>
-              <a:rPr lang="pt-BR" dirty="0" err="1"/>
+            <a:pPr lvl="1">
+              <a:spcBef>
+                <a:spcPts val="0"/>
+              </a:spcBef>
+            </a:pPr>
+            <a:r>
+              <a:rPr lang="pt-BR" sz="1600" dirty="0" err="1"/>
               <a:t>Lower</a:t>
             </a:r>
             <a:r>
-              <a:rPr lang="pt-BR" dirty="0"/>
+              <a:rPr lang="pt-BR" sz="1600" dirty="0"/>
               <a:t> </a:t>
             </a:r>
             <a:r>
-              <a:rPr lang="pt-BR" dirty="0" err="1"/>
+              <a:rPr lang="pt-BR" sz="1600" dirty="0" err="1"/>
               <a:t>bound</a:t>
             </a:r>
             <a:r>
-              <a:rPr lang="pt-BR" dirty="0"/>
+              <a:rPr lang="pt-BR" sz="1600" dirty="0"/>
               <a:t> a ser minimizado</a:t>
             </a:r>
           </a:p>
           <a:p>
             <a:r>
-              <a:rPr lang="pt-BR" dirty="0"/>
+              <a:rPr lang="pt-BR" sz="2000" dirty="0"/>
               <a:t>Como determinar a estimativa ótima?</a:t>
             </a:r>
           </a:p>
           <a:p>
-            <a:pPr lvl="1"/>
-            <a:r>
-              <a:rPr lang="pt-BR" dirty="0" err="1"/>
+            <a:pPr lvl="1">
+              <a:spcBef>
+                <a:spcPts val="0"/>
+              </a:spcBef>
+            </a:pPr>
+            <a:r>
+              <a:rPr lang="pt-BR" sz="1600" dirty="0" err="1"/>
               <a:t>R</a:t>
             </a:r>
             <a:r>
-              <a:rPr lang="pt-BR" dirty="0"/>
+              <a:rPr lang="pt-BR" sz="1600" dirty="0"/>
               <a:t>: relaxamento de restrições do problema</a:t>
             </a:r>
           </a:p>

--- a/material/aulas/11-branch-and-bound/slides.pptx
+++ b/material/aulas/11-branch-and-bound/slides.pptx
@@ -9569,30 +9569,22 @@
               <a:buNone/>
             </a:pPr>
             <a:r>
+              <a:rPr lang="pt-BR" sz="1400">
+                <a:latin typeface="Verdana" panose="020B0604030504040204" pitchFamily="34" charset="0"/>
+                <a:ea typeface="Verdana" panose="020B0604030504040204" pitchFamily="34" charset="0"/>
+                <a:cs typeface="Verdana" panose="020B0604030504040204" pitchFamily="34" charset="0"/>
+                <a:sym typeface="Calibri"/>
+              </a:rPr>
+              <a:t>Compare </a:t>
+            </a:r>
+            <a:r>
               <a:rPr lang="pt-BR" sz="1400" dirty="0">
                 <a:latin typeface="Verdana" panose="020B0604030504040204" pitchFamily="34" charset="0"/>
                 <a:ea typeface="Verdana" panose="020B0604030504040204" pitchFamily="34" charset="0"/>
                 <a:cs typeface="Verdana" panose="020B0604030504040204" pitchFamily="34" charset="0"/>
                 <a:sym typeface="Calibri"/>
               </a:rPr>
-              <a:t>Você vai encontrar o pseudocódigo disponível no roteiro.</a:t>
-            </a:r>
-          </a:p>
-          <a:p>
-            <a:pPr marL="0" lvl="0" indent="0">
-              <a:lnSpc>
-                <a:spcPct val="90000"/>
-              </a:lnSpc>
-              <a:buNone/>
-            </a:pPr>
-            <a:r>
-              <a:rPr lang="pt-BR" sz="1400" dirty="0">
-                <a:latin typeface="Verdana" panose="020B0604030504040204" pitchFamily="34" charset="0"/>
-                <a:ea typeface="Verdana" panose="020B0604030504040204" pitchFamily="34" charset="0"/>
-                <a:cs typeface="Verdana" panose="020B0604030504040204" pitchFamily="34" charset="0"/>
-                <a:sym typeface="Calibri"/>
-              </a:rPr>
-              <a:t>Compare a solução obtida com as versões anteriores. </a:t>
+              <a:t>a solução obtida com as versões anteriores. </a:t>
             </a:r>
           </a:p>
           <a:p>
